--- a/examen/comp_p.pptx
+++ b/examen/comp_p.pptx
@@ -6,8 +6,8 @@
   </p:sldMasterIdLst>
   <p:sldIdLst>
     <p:sldId id="256" r:id="rId2"/>
-    <p:sldId id="257" r:id="rId3"/>
-    <p:sldId id="260" r:id="rId4"/>
+    <p:sldId id="260" r:id="rId3"/>
+    <p:sldId id="261" r:id="rId4"/>
   </p:sldIdLst>
   <p:sldSz cx="9144000" cy="6858000" type="screen4x3"/>
   <p:notesSz cx="6858000" cy="9144000"/>
@@ -136,22 +136,6 @@
       </a:defRPr>
     </a:lvl9pPr>
   </p:defaultTextStyle>
-  <p:extLst>
-    <p:ext uri="{EFAFB233-063F-42B5-8137-9DF3F51BA10A}">
-      <p15:sldGuideLst xmlns:p15="http://schemas.microsoft.com/office/powerpoint/2012/main">
-        <p15:guide id="1" orient="horz" pos="2160">
-          <p15:clr>
-            <a:srgbClr val="A4A3A4"/>
-          </p15:clr>
-        </p15:guide>
-        <p15:guide id="2" pos="2880">
-          <p15:clr>
-            <a:srgbClr val="A4A3A4"/>
-          </p15:clr>
-        </p15:guide>
-      </p15:sldGuideLst>
-    </p:ext>
-  </p:extLst>
 </p:presentation>
 </file>
 
@@ -193,7 +177,7 @@
           <a:lstStyle/>
           <a:p>
             <a:r>
-              <a:rPr lang="en-US"/>
+              <a:rPr lang="en-US" smtClean="0"/>
               <a:t>Click to edit Master title style</a:t>
             </a:r>
             <a:endParaRPr lang="ro-RO"/>
@@ -312,7 +296,7 @@
           </a:lstStyle>
           <a:p>
             <a:r>
-              <a:rPr lang="en-US"/>
+              <a:rPr lang="en-US" smtClean="0"/>
               <a:t>Click to edit Master subtitle style</a:t>
             </a:r>
             <a:endParaRPr lang="ro-RO"/>
@@ -338,15 +322,10 @@
             </a:lvl1pPr>
           </a:lstStyle>
           <a:p>
-            <a:pPr>
-              <a:defRPr/>
-            </a:pPr>
-            <a:fld id="{C0D29890-6DC3-48B0-9070-1022838139B6}" type="datetimeFigureOut">
+            <a:fld id="{9EBE264C-0C96-462C-AB59-996DBF22B4F9}" type="datetimeFigureOut">
               <a:rPr lang="ro-RO"/>
-              <a:pPr>
-                <a:defRPr/>
-              </a:pPr>
-              <a:t>17.02.2024</a:t>
+              <a:pPr/>
+              <a:t>06.06.2013</a:t>
             </a:fld>
             <a:endParaRPr lang="ro-RO"/>
           </a:p>
@@ -371,10 +350,7 @@
             </a:lvl1pPr>
           </a:lstStyle>
           <a:p>
-            <a:pPr>
-              <a:defRPr/>
-            </a:pPr>
-            <a:endParaRPr lang="ro-RO"/>
+            <a:endParaRPr lang="en-GB"/>
           </a:p>
         </p:txBody>
       </p:sp>
@@ -397,14 +373,9 @@
             </a:lvl1pPr>
           </a:lstStyle>
           <a:p>
-            <a:pPr>
-              <a:defRPr/>
-            </a:pPr>
-            <a:fld id="{D1DFE6CC-D951-47AC-A77E-FB10ECD253BE}" type="slidenum">
+            <a:fld id="{42482BB3-3CD3-4340-AC05-00701E1B32D0}" type="slidenum">
               <a:rPr lang="ro-RO"/>
-              <a:pPr>
-                <a:defRPr/>
-              </a:pPr>
+              <a:pPr/>
               <a:t>‹#›</a:t>
             </a:fld>
             <a:endParaRPr lang="ro-RO"/>
@@ -452,7 +423,7 @@
           <a:lstStyle/>
           <a:p>
             <a:r>
-              <a:rPr lang="en-US"/>
+              <a:rPr lang="en-US" smtClean="0"/>
               <a:t>Click to edit Master title style</a:t>
             </a:r>
             <a:endParaRPr lang="ro-RO"/>
@@ -476,35 +447,35 @@
           <a:p>
             <a:pPr lvl="0"/>
             <a:r>
-              <a:rPr lang="en-US"/>
+              <a:rPr lang="en-US" smtClean="0"/>
               <a:t>Click to edit Master text styles</a:t>
             </a:r>
           </a:p>
           <a:p>
             <a:pPr lvl="1"/>
             <a:r>
-              <a:rPr lang="en-US"/>
+              <a:rPr lang="en-US" smtClean="0"/>
               <a:t>Second level</a:t>
             </a:r>
           </a:p>
           <a:p>
             <a:pPr lvl="2"/>
             <a:r>
-              <a:rPr lang="en-US"/>
+              <a:rPr lang="en-US" smtClean="0"/>
               <a:t>Third level</a:t>
             </a:r>
           </a:p>
           <a:p>
             <a:pPr lvl="3"/>
             <a:r>
-              <a:rPr lang="en-US"/>
+              <a:rPr lang="en-US" smtClean="0"/>
               <a:t>Fourth level</a:t>
             </a:r>
           </a:p>
           <a:p>
             <a:pPr lvl="4"/>
             <a:r>
-              <a:rPr lang="en-US"/>
+              <a:rPr lang="en-US" smtClean="0"/>
               <a:t>Fifth level</a:t>
             </a:r>
             <a:endParaRPr lang="ro-RO"/>
@@ -530,15 +501,10 @@
             </a:lvl1pPr>
           </a:lstStyle>
           <a:p>
-            <a:pPr>
-              <a:defRPr/>
-            </a:pPr>
-            <a:fld id="{D972541B-A1C1-46EA-BFEE-211E30D7BAFF}" type="datetimeFigureOut">
+            <a:fld id="{A87DFFB1-A21A-4993-A2D9-DF5F48606807}" type="datetimeFigureOut">
               <a:rPr lang="ro-RO"/>
-              <a:pPr>
-                <a:defRPr/>
-              </a:pPr>
-              <a:t>17.02.2024</a:t>
+              <a:pPr/>
+              <a:t>06.06.2013</a:t>
             </a:fld>
             <a:endParaRPr lang="ro-RO"/>
           </a:p>
@@ -563,10 +529,7 @@
             </a:lvl1pPr>
           </a:lstStyle>
           <a:p>
-            <a:pPr>
-              <a:defRPr/>
-            </a:pPr>
-            <a:endParaRPr lang="ro-RO"/>
+            <a:endParaRPr lang="en-GB"/>
           </a:p>
         </p:txBody>
       </p:sp>
@@ -589,14 +552,9 @@
             </a:lvl1pPr>
           </a:lstStyle>
           <a:p>
-            <a:pPr>
-              <a:defRPr/>
-            </a:pPr>
-            <a:fld id="{10B0CD50-FFF3-41F7-8709-C15F05981E0B}" type="slidenum">
+            <a:fld id="{A5B9C53C-51FB-42F5-AEA0-D4248CA76695}" type="slidenum">
               <a:rPr lang="ro-RO"/>
-              <a:pPr>
-                <a:defRPr/>
-              </a:pPr>
+              <a:pPr/>
               <a:t>‹#›</a:t>
             </a:fld>
             <a:endParaRPr lang="ro-RO"/>
@@ -649,7 +607,7 @@
           <a:lstStyle/>
           <a:p>
             <a:r>
-              <a:rPr lang="en-US"/>
+              <a:rPr lang="en-US" smtClean="0"/>
               <a:t>Click to edit Master title style</a:t>
             </a:r>
             <a:endParaRPr lang="ro-RO"/>
@@ -678,35 +636,35 @@
           <a:p>
             <a:pPr lvl="0"/>
             <a:r>
-              <a:rPr lang="en-US"/>
+              <a:rPr lang="en-US" smtClean="0"/>
               <a:t>Click to edit Master text styles</a:t>
             </a:r>
           </a:p>
           <a:p>
             <a:pPr lvl="1"/>
             <a:r>
-              <a:rPr lang="en-US"/>
+              <a:rPr lang="en-US" smtClean="0"/>
               <a:t>Second level</a:t>
             </a:r>
           </a:p>
           <a:p>
             <a:pPr lvl="2"/>
             <a:r>
-              <a:rPr lang="en-US"/>
+              <a:rPr lang="en-US" smtClean="0"/>
               <a:t>Third level</a:t>
             </a:r>
           </a:p>
           <a:p>
             <a:pPr lvl="3"/>
             <a:r>
-              <a:rPr lang="en-US"/>
+              <a:rPr lang="en-US" smtClean="0"/>
               <a:t>Fourth level</a:t>
             </a:r>
           </a:p>
           <a:p>
             <a:pPr lvl="4"/>
             <a:r>
-              <a:rPr lang="en-US"/>
+              <a:rPr lang="en-US" smtClean="0"/>
               <a:t>Fifth level</a:t>
             </a:r>
             <a:endParaRPr lang="ro-RO"/>
@@ -732,15 +690,10 @@
             </a:lvl1pPr>
           </a:lstStyle>
           <a:p>
-            <a:pPr>
-              <a:defRPr/>
-            </a:pPr>
-            <a:fld id="{9CD0853B-1C7B-49C0-9BFB-3725C8EF0D98}" type="datetimeFigureOut">
+            <a:fld id="{1D2660CD-7EA1-446C-B4DB-A4DE4133392C}" type="datetimeFigureOut">
               <a:rPr lang="ro-RO"/>
-              <a:pPr>
-                <a:defRPr/>
-              </a:pPr>
-              <a:t>17.02.2024</a:t>
+              <a:pPr/>
+              <a:t>06.06.2013</a:t>
             </a:fld>
             <a:endParaRPr lang="ro-RO"/>
           </a:p>
@@ -765,10 +718,7 @@
             </a:lvl1pPr>
           </a:lstStyle>
           <a:p>
-            <a:pPr>
-              <a:defRPr/>
-            </a:pPr>
-            <a:endParaRPr lang="ro-RO"/>
+            <a:endParaRPr lang="en-GB"/>
           </a:p>
         </p:txBody>
       </p:sp>
@@ -791,14 +741,9 @@
             </a:lvl1pPr>
           </a:lstStyle>
           <a:p>
-            <a:pPr>
-              <a:defRPr/>
-            </a:pPr>
-            <a:fld id="{EC99EB0A-5048-48D8-AC0A-EE049A86654D}" type="slidenum">
+            <a:fld id="{18636739-60E8-43E9-B13C-20008A68F16A}" type="slidenum">
               <a:rPr lang="ro-RO"/>
-              <a:pPr>
-                <a:defRPr/>
-              </a:pPr>
+              <a:pPr/>
               <a:t>‹#›</a:t>
             </a:fld>
             <a:endParaRPr lang="ro-RO"/>
@@ -846,7 +791,7 @@
           <a:lstStyle/>
           <a:p>
             <a:r>
-              <a:rPr lang="en-US"/>
+              <a:rPr lang="en-US" smtClean="0"/>
               <a:t>Click to edit Master title style</a:t>
             </a:r>
             <a:endParaRPr lang="ro-RO"/>
@@ -870,35 +815,35 @@
           <a:p>
             <a:pPr lvl="0"/>
             <a:r>
-              <a:rPr lang="en-US"/>
+              <a:rPr lang="en-US" smtClean="0"/>
               <a:t>Click to edit Master text styles</a:t>
             </a:r>
           </a:p>
           <a:p>
             <a:pPr lvl="1"/>
             <a:r>
-              <a:rPr lang="en-US"/>
+              <a:rPr lang="en-US" smtClean="0"/>
               <a:t>Second level</a:t>
             </a:r>
           </a:p>
           <a:p>
             <a:pPr lvl="2"/>
             <a:r>
-              <a:rPr lang="en-US"/>
+              <a:rPr lang="en-US" smtClean="0"/>
               <a:t>Third level</a:t>
             </a:r>
           </a:p>
           <a:p>
             <a:pPr lvl="3"/>
             <a:r>
-              <a:rPr lang="en-US"/>
+              <a:rPr lang="en-US" smtClean="0"/>
               <a:t>Fourth level</a:t>
             </a:r>
           </a:p>
           <a:p>
             <a:pPr lvl="4"/>
             <a:r>
-              <a:rPr lang="en-US"/>
+              <a:rPr lang="en-US" smtClean="0"/>
               <a:t>Fifth level</a:t>
             </a:r>
             <a:endParaRPr lang="ro-RO"/>
@@ -924,15 +869,10 @@
             </a:lvl1pPr>
           </a:lstStyle>
           <a:p>
-            <a:pPr>
-              <a:defRPr/>
-            </a:pPr>
-            <a:fld id="{E8782AB4-F2BB-44EC-B82B-3EBD04187F7A}" type="datetimeFigureOut">
+            <a:fld id="{FAFA1B52-0ADE-4A61-AD00-759DF3693C6F}" type="datetimeFigureOut">
               <a:rPr lang="ro-RO"/>
-              <a:pPr>
-                <a:defRPr/>
-              </a:pPr>
-              <a:t>17.02.2024</a:t>
+              <a:pPr/>
+              <a:t>06.06.2013</a:t>
             </a:fld>
             <a:endParaRPr lang="ro-RO"/>
           </a:p>
@@ -957,10 +897,7 @@
             </a:lvl1pPr>
           </a:lstStyle>
           <a:p>
-            <a:pPr>
-              <a:defRPr/>
-            </a:pPr>
-            <a:endParaRPr lang="ro-RO"/>
+            <a:endParaRPr lang="en-GB"/>
           </a:p>
         </p:txBody>
       </p:sp>
@@ -983,14 +920,9 @@
             </a:lvl1pPr>
           </a:lstStyle>
           <a:p>
-            <a:pPr>
-              <a:defRPr/>
-            </a:pPr>
-            <a:fld id="{0F57044B-8178-4976-8BA9-FC2BFEFC97D1}" type="slidenum">
+            <a:fld id="{241B76FE-79D8-47D1-B5BB-6B7DAE81BF66}" type="slidenum">
               <a:rPr lang="ro-RO"/>
-              <a:pPr>
-                <a:defRPr/>
-              </a:pPr>
+              <a:pPr/>
               <a:t>‹#›</a:t>
             </a:fld>
             <a:endParaRPr lang="ro-RO"/>
@@ -1047,7 +979,7 @@
           </a:lstStyle>
           <a:p>
             <a:r>
-              <a:rPr lang="en-US"/>
+              <a:rPr lang="en-US" smtClean="0"/>
               <a:t>Click to edit Master title style</a:t>
             </a:r>
             <a:endParaRPr lang="ro-RO"/>
@@ -1167,7 +1099,7 @@
           <a:p>
             <a:pPr lvl="0"/>
             <a:r>
-              <a:rPr lang="en-US"/>
+              <a:rPr lang="en-US" smtClean="0"/>
               <a:t>Click to edit Master text styles</a:t>
             </a:r>
           </a:p>
@@ -1192,15 +1124,10 @@
             </a:lvl1pPr>
           </a:lstStyle>
           <a:p>
-            <a:pPr>
-              <a:defRPr/>
-            </a:pPr>
-            <a:fld id="{79D80455-5CE6-4AC1-88BD-8333149EF9AC}" type="datetimeFigureOut">
+            <a:fld id="{72D1CCE1-D4C4-4B6D-AD3F-11F579A90D0D}" type="datetimeFigureOut">
               <a:rPr lang="ro-RO"/>
-              <a:pPr>
-                <a:defRPr/>
-              </a:pPr>
-              <a:t>17.02.2024</a:t>
+              <a:pPr/>
+              <a:t>06.06.2013</a:t>
             </a:fld>
             <a:endParaRPr lang="ro-RO"/>
           </a:p>
@@ -1225,10 +1152,7 @@
             </a:lvl1pPr>
           </a:lstStyle>
           <a:p>
-            <a:pPr>
-              <a:defRPr/>
-            </a:pPr>
-            <a:endParaRPr lang="ro-RO"/>
+            <a:endParaRPr lang="en-GB"/>
           </a:p>
         </p:txBody>
       </p:sp>
@@ -1251,14 +1175,9 @@
             </a:lvl1pPr>
           </a:lstStyle>
           <a:p>
-            <a:pPr>
-              <a:defRPr/>
-            </a:pPr>
-            <a:fld id="{C1F3A912-52FD-456D-8A1C-D1DCDBCBEE74}" type="slidenum">
+            <a:fld id="{750BFC4C-E199-419F-9747-DFBBCD922AD5}" type="slidenum">
               <a:rPr lang="ro-RO"/>
-              <a:pPr>
-                <a:defRPr/>
-              </a:pPr>
+              <a:pPr/>
               <a:t>‹#›</a:t>
             </a:fld>
             <a:endParaRPr lang="ro-RO"/>
@@ -1306,7 +1225,7 @@
           <a:lstStyle/>
           <a:p>
             <a:r>
-              <a:rPr lang="en-US"/>
+              <a:rPr lang="en-US" smtClean="0"/>
               <a:t>Click to edit Master title style</a:t>
             </a:r>
             <a:endParaRPr lang="ro-RO"/>
@@ -1363,35 +1282,35 @@
           <a:p>
             <a:pPr lvl="0"/>
             <a:r>
-              <a:rPr lang="en-US"/>
+              <a:rPr lang="en-US" smtClean="0"/>
               <a:t>Click to edit Master text styles</a:t>
             </a:r>
           </a:p>
           <a:p>
             <a:pPr lvl="1"/>
             <a:r>
-              <a:rPr lang="en-US"/>
+              <a:rPr lang="en-US" smtClean="0"/>
               <a:t>Second level</a:t>
             </a:r>
           </a:p>
           <a:p>
             <a:pPr lvl="2"/>
             <a:r>
-              <a:rPr lang="en-US"/>
+              <a:rPr lang="en-US" smtClean="0"/>
               <a:t>Third level</a:t>
             </a:r>
           </a:p>
           <a:p>
             <a:pPr lvl="3"/>
             <a:r>
-              <a:rPr lang="en-US"/>
+              <a:rPr lang="en-US" smtClean="0"/>
               <a:t>Fourth level</a:t>
             </a:r>
           </a:p>
           <a:p>
             <a:pPr lvl="4"/>
             <a:r>
-              <a:rPr lang="en-US"/>
+              <a:rPr lang="en-US" smtClean="0"/>
               <a:t>Fifth level</a:t>
             </a:r>
             <a:endParaRPr lang="ro-RO"/>
@@ -1448,35 +1367,35 @@
           <a:p>
             <a:pPr lvl="0"/>
             <a:r>
-              <a:rPr lang="en-US"/>
+              <a:rPr lang="en-US" smtClean="0"/>
               <a:t>Click to edit Master text styles</a:t>
             </a:r>
           </a:p>
           <a:p>
             <a:pPr lvl="1"/>
             <a:r>
-              <a:rPr lang="en-US"/>
+              <a:rPr lang="en-US" smtClean="0"/>
               <a:t>Second level</a:t>
             </a:r>
           </a:p>
           <a:p>
             <a:pPr lvl="2"/>
             <a:r>
-              <a:rPr lang="en-US"/>
+              <a:rPr lang="en-US" smtClean="0"/>
               <a:t>Third level</a:t>
             </a:r>
           </a:p>
           <a:p>
             <a:pPr lvl="3"/>
             <a:r>
-              <a:rPr lang="en-US"/>
+              <a:rPr lang="en-US" smtClean="0"/>
               <a:t>Fourth level</a:t>
             </a:r>
           </a:p>
           <a:p>
             <a:pPr lvl="4"/>
             <a:r>
-              <a:rPr lang="en-US"/>
+              <a:rPr lang="en-US" smtClean="0"/>
               <a:t>Fifth level</a:t>
             </a:r>
             <a:endParaRPr lang="ro-RO"/>
@@ -1502,15 +1421,10 @@
             </a:lvl1pPr>
           </a:lstStyle>
           <a:p>
-            <a:pPr>
-              <a:defRPr/>
-            </a:pPr>
-            <a:fld id="{28596456-6817-4AFF-85EC-9500A7C75AAA}" type="datetimeFigureOut">
+            <a:fld id="{91F83CB2-2CA6-410B-9A47-233671A08AA5}" type="datetimeFigureOut">
               <a:rPr lang="ro-RO"/>
-              <a:pPr>
-                <a:defRPr/>
-              </a:pPr>
-              <a:t>17.02.2024</a:t>
+              <a:pPr/>
+              <a:t>06.06.2013</a:t>
             </a:fld>
             <a:endParaRPr lang="ro-RO"/>
           </a:p>
@@ -1535,10 +1449,7 @@
             </a:lvl1pPr>
           </a:lstStyle>
           <a:p>
-            <a:pPr>
-              <a:defRPr/>
-            </a:pPr>
-            <a:endParaRPr lang="ro-RO"/>
+            <a:endParaRPr lang="en-GB"/>
           </a:p>
         </p:txBody>
       </p:sp>
@@ -1561,14 +1472,9 @@
             </a:lvl1pPr>
           </a:lstStyle>
           <a:p>
-            <a:pPr>
-              <a:defRPr/>
-            </a:pPr>
-            <a:fld id="{7E0F51D2-7FE9-4C8E-BB32-536F2EEB6348}" type="slidenum">
+            <a:fld id="{1D598823-75DF-4A7D-9136-D2F8236FBDC5}" type="slidenum">
               <a:rPr lang="ro-RO"/>
-              <a:pPr>
-                <a:defRPr/>
-              </a:pPr>
+              <a:pPr/>
               <a:t>‹#›</a:t>
             </a:fld>
             <a:endParaRPr lang="ro-RO"/>
@@ -1620,7 +1526,7 @@
           </a:lstStyle>
           <a:p>
             <a:r>
-              <a:rPr lang="en-US"/>
+              <a:rPr lang="en-US" smtClean="0"/>
               <a:t>Click to edit Master title style</a:t>
             </a:r>
             <a:endParaRPr lang="ro-RO"/>
@@ -1686,7 +1592,7 @@
           <a:p>
             <a:pPr lvl="0"/>
             <a:r>
-              <a:rPr lang="en-US"/>
+              <a:rPr lang="en-US" smtClean="0"/>
               <a:t>Click to edit Master text styles</a:t>
             </a:r>
           </a:p>
@@ -1742,35 +1648,35 @@
           <a:p>
             <a:pPr lvl="0"/>
             <a:r>
-              <a:rPr lang="en-US"/>
+              <a:rPr lang="en-US" smtClean="0"/>
               <a:t>Click to edit Master text styles</a:t>
             </a:r>
           </a:p>
           <a:p>
             <a:pPr lvl="1"/>
             <a:r>
-              <a:rPr lang="en-US"/>
+              <a:rPr lang="en-US" smtClean="0"/>
               <a:t>Second level</a:t>
             </a:r>
           </a:p>
           <a:p>
             <a:pPr lvl="2"/>
             <a:r>
-              <a:rPr lang="en-US"/>
+              <a:rPr lang="en-US" smtClean="0"/>
               <a:t>Third level</a:t>
             </a:r>
           </a:p>
           <a:p>
             <a:pPr lvl="3"/>
             <a:r>
-              <a:rPr lang="en-US"/>
+              <a:rPr lang="en-US" smtClean="0"/>
               <a:t>Fourth level</a:t>
             </a:r>
           </a:p>
           <a:p>
             <a:pPr lvl="4"/>
             <a:r>
-              <a:rPr lang="en-US"/>
+              <a:rPr lang="en-US" smtClean="0"/>
               <a:t>Fifth level</a:t>
             </a:r>
             <a:endParaRPr lang="ro-RO"/>
@@ -1836,7 +1742,7 @@
           <a:p>
             <a:pPr lvl="0"/>
             <a:r>
-              <a:rPr lang="en-US"/>
+              <a:rPr lang="en-US" smtClean="0"/>
               <a:t>Click to edit Master text styles</a:t>
             </a:r>
           </a:p>
@@ -1892,35 +1798,35 @@
           <a:p>
             <a:pPr lvl="0"/>
             <a:r>
-              <a:rPr lang="en-US"/>
+              <a:rPr lang="en-US" smtClean="0"/>
               <a:t>Click to edit Master text styles</a:t>
             </a:r>
           </a:p>
           <a:p>
             <a:pPr lvl="1"/>
             <a:r>
-              <a:rPr lang="en-US"/>
+              <a:rPr lang="en-US" smtClean="0"/>
               <a:t>Second level</a:t>
             </a:r>
           </a:p>
           <a:p>
             <a:pPr lvl="2"/>
             <a:r>
-              <a:rPr lang="en-US"/>
+              <a:rPr lang="en-US" smtClean="0"/>
               <a:t>Third level</a:t>
             </a:r>
           </a:p>
           <a:p>
             <a:pPr lvl="3"/>
             <a:r>
-              <a:rPr lang="en-US"/>
+              <a:rPr lang="en-US" smtClean="0"/>
               <a:t>Fourth level</a:t>
             </a:r>
           </a:p>
           <a:p>
             <a:pPr lvl="4"/>
             <a:r>
-              <a:rPr lang="en-US"/>
+              <a:rPr lang="en-US" smtClean="0"/>
               <a:t>Fifth level</a:t>
             </a:r>
             <a:endParaRPr lang="ro-RO"/>
@@ -1946,15 +1852,10 @@
             </a:lvl1pPr>
           </a:lstStyle>
           <a:p>
-            <a:pPr>
-              <a:defRPr/>
-            </a:pPr>
-            <a:fld id="{3A119FA4-F5D0-44B2-9D23-7D223ADF5661}" type="datetimeFigureOut">
+            <a:fld id="{E5F75A0D-5EB0-4208-9475-F7C5321C791B}" type="datetimeFigureOut">
               <a:rPr lang="ro-RO"/>
-              <a:pPr>
-                <a:defRPr/>
-              </a:pPr>
-              <a:t>17.02.2024</a:t>
+              <a:pPr/>
+              <a:t>06.06.2013</a:t>
             </a:fld>
             <a:endParaRPr lang="ro-RO"/>
           </a:p>
@@ -1979,10 +1880,7 @@
             </a:lvl1pPr>
           </a:lstStyle>
           <a:p>
-            <a:pPr>
-              <a:defRPr/>
-            </a:pPr>
-            <a:endParaRPr lang="ro-RO"/>
+            <a:endParaRPr lang="en-GB"/>
           </a:p>
         </p:txBody>
       </p:sp>
@@ -2005,14 +1903,9 @@
             </a:lvl1pPr>
           </a:lstStyle>
           <a:p>
-            <a:pPr>
-              <a:defRPr/>
-            </a:pPr>
-            <a:fld id="{A89A5D1B-1467-49DD-9D72-690179A5BCA3}" type="slidenum">
+            <a:fld id="{29E30C2A-CE48-4303-90BC-4BB8CD22774E}" type="slidenum">
               <a:rPr lang="ro-RO"/>
-              <a:pPr>
-                <a:defRPr/>
-              </a:pPr>
+              <a:pPr/>
               <a:t>‹#›</a:t>
             </a:fld>
             <a:endParaRPr lang="ro-RO"/>
@@ -2060,7 +1953,7 @@
           <a:lstStyle/>
           <a:p>
             <a:r>
-              <a:rPr lang="en-US"/>
+              <a:rPr lang="en-US" smtClean="0"/>
               <a:t>Click to edit Master title style</a:t>
             </a:r>
             <a:endParaRPr lang="ro-RO"/>
@@ -2086,15 +1979,10 @@
             </a:lvl1pPr>
           </a:lstStyle>
           <a:p>
-            <a:pPr>
-              <a:defRPr/>
-            </a:pPr>
-            <a:fld id="{75B33203-BBB3-416E-815A-3531CB181416}" type="datetimeFigureOut">
+            <a:fld id="{862E33CA-FB17-4AE9-9654-483597C28623}" type="datetimeFigureOut">
               <a:rPr lang="ro-RO"/>
-              <a:pPr>
-                <a:defRPr/>
-              </a:pPr>
-              <a:t>17.02.2024</a:t>
+              <a:pPr/>
+              <a:t>06.06.2013</a:t>
             </a:fld>
             <a:endParaRPr lang="ro-RO"/>
           </a:p>
@@ -2119,10 +2007,7 @@
             </a:lvl1pPr>
           </a:lstStyle>
           <a:p>
-            <a:pPr>
-              <a:defRPr/>
-            </a:pPr>
-            <a:endParaRPr lang="ro-RO"/>
+            <a:endParaRPr lang="en-GB"/>
           </a:p>
         </p:txBody>
       </p:sp>
@@ -2145,14 +2030,9 @@
             </a:lvl1pPr>
           </a:lstStyle>
           <a:p>
-            <a:pPr>
-              <a:defRPr/>
-            </a:pPr>
-            <a:fld id="{AEC873FF-1BFB-4456-97C0-888CE2C627D8}" type="slidenum">
+            <a:fld id="{015ED8D6-90EE-4B23-8B91-4E400C9AC92D}" type="slidenum">
               <a:rPr lang="ro-RO"/>
-              <a:pPr>
-                <a:defRPr/>
-              </a:pPr>
+              <a:pPr/>
               <a:t>‹#›</a:t>
             </a:fld>
             <a:endParaRPr lang="ro-RO"/>
@@ -2203,15 +2083,10 @@
             </a:lvl1pPr>
           </a:lstStyle>
           <a:p>
-            <a:pPr>
-              <a:defRPr/>
-            </a:pPr>
-            <a:fld id="{38C75F22-41FD-4D1E-A802-B5E5FF767D0C}" type="datetimeFigureOut">
+            <a:fld id="{9772CED1-AB6E-4A2F-B900-CCC69CAA3E73}" type="datetimeFigureOut">
               <a:rPr lang="ro-RO"/>
-              <a:pPr>
-                <a:defRPr/>
-              </a:pPr>
-              <a:t>17.02.2024</a:t>
+              <a:pPr/>
+              <a:t>06.06.2013</a:t>
             </a:fld>
             <a:endParaRPr lang="ro-RO"/>
           </a:p>
@@ -2236,10 +2111,7 @@
             </a:lvl1pPr>
           </a:lstStyle>
           <a:p>
-            <a:pPr>
-              <a:defRPr/>
-            </a:pPr>
-            <a:endParaRPr lang="ro-RO"/>
+            <a:endParaRPr lang="en-GB"/>
           </a:p>
         </p:txBody>
       </p:sp>
@@ -2262,14 +2134,9 @@
             </a:lvl1pPr>
           </a:lstStyle>
           <a:p>
-            <a:pPr>
-              <a:defRPr/>
-            </a:pPr>
-            <a:fld id="{45A8D2A1-5F3F-44AC-9D51-EE6A10A5A703}" type="slidenum">
+            <a:fld id="{7DF47827-7FA5-4BBE-A6BD-4793569DE9D0}" type="slidenum">
               <a:rPr lang="ro-RO"/>
-              <a:pPr>
-                <a:defRPr/>
-              </a:pPr>
+              <a:pPr/>
               <a:t>‹#›</a:t>
             </a:fld>
             <a:endParaRPr lang="ro-RO"/>
@@ -2326,7 +2193,7 @@
           </a:lstStyle>
           <a:p>
             <a:r>
-              <a:rPr lang="en-US"/>
+              <a:rPr lang="en-US" smtClean="0"/>
               <a:t>Click to edit Master title style</a:t>
             </a:r>
             <a:endParaRPr lang="ro-RO"/>
@@ -2383,35 +2250,35 @@
           <a:p>
             <a:pPr lvl="0"/>
             <a:r>
-              <a:rPr lang="en-US"/>
+              <a:rPr lang="en-US" smtClean="0"/>
               <a:t>Click to edit Master text styles</a:t>
             </a:r>
           </a:p>
           <a:p>
             <a:pPr lvl="1"/>
             <a:r>
-              <a:rPr lang="en-US"/>
+              <a:rPr lang="en-US" smtClean="0"/>
               <a:t>Second level</a:t>
             </a:r>
           </a:p>
           <a:p>
             <a:pPr lvl="2"/>
             <a:r>
-              <a:rPr lang="en-US"/>
+              <a:rPr lang="en-US" smtClean="0"/>
               <a:t>Third level</a:t>
             </a:r>
           </a:p>
           <a:p>
             <a:pPr lvl="3"/>
             <a:r>
-              <a:rPr lang="en-US"/>
+              <a:rPr lang="en-US" smtClean="0"/>
               <a:t>Fourth level</a:t>
             </a:r>
           </a:p>
           <a:p>
             <a:pPr lvl="4"/>
             <a:r>
-              <a:rPr lang="en-US"/>
+              <a:rPr lang="en-US" smtClean="0"/>
               <a:t>Fifth level</a:t>
             </a:r>
             <a:endParaRPr lang="ro-RO"/>
@@ -2477,7 +2344,7 @@
           <a:p>
             <a:pPr lvl="0"/>
             <a:r>
-              <a:rPr lang="en-US"/>
+              <a:rPr lang="en-US" smtClean="0"/>
               <a:t>Click to edit Master text styles</a:t>
             </a:r>
           </a:p>
@@ -2502,15 +2369,10 @@
             </a:lvl1pPr>
           </a:lstStyle>
           <a:p>
-            <a:pPr>
-              <a:defRPr/>
-            </a:pPr>
-            <a:fld id="{5018B5E3-DCD7-4EB5-AD86-4CAE03D0B58B}" type="datetimeFigureOut">
+            <a:fld id="{BA9E537C-B3B8-4FCA-8CDC-DE845D984FA1}" type="datetimeFigureOut">
               <a:rPr lang="ro-RO"/>
-              <a:pPr>
-                <a:defRPr/>
-              </a:pPr>
-              <a:t>17.02.2024</a:t>
+              <a:pPr/>
+              <a:t>06.06.2013</a:t>
             </a:fld>
             <a:endParaRPr lang="ro-RO"/>
           </a:p>
@@ -2535,10 +2397,7 @@
             </a:lvl1pPr>
           </a:lstStyle>
           <a:p>
-            <a:pPr>
-              <a:defRPr/>
-            </a:pPr>
-            <a:endParaRPr lang="ro-RO"/>
+            <a:endParaRPr lang="en-GB"/>
           </a:p>
         </p:txBody>
       </p:sp>
@@ -2561,14 +2420,9 @@
             </a:lvl1pPr>
           </a:lstStyle>
           <a:p>
-            <a:pPr>
-              <a:defRPr/>
-            </a:pPr>
-            <a:fld id="{F45F5141-7B2C-4F4C-B04F-4E89A247E6AA}" type="slidenum">
+            <a:fld id="{B8BF2A56-F531-4342-B186-B12C0059ADC5}" type="slidenum">
               <a:rPr lang="ro-RO"/>
-              <a:pPr>
-                <a:defRPr/>
-              </a:pPr>
+              <a:pPr/>
               <a:t>‹#›</a:t>
             </a:fld>
             <a:endParaRPr lang="ro-RO"/>
@@ -2625,7 +2479,7 @@
           </a:lstStyle>
           <a:p>
             <a:r>
-              <a:rPr lang="en-US"/>
+              <a:rPr lang="en-US" smtClean="0"/>
               <a:t>Click to edit Master title style</a:t>
             </a:r>
             <a:endParaRPr lang="ro-RO"/>
@@ -2755,7 +2609,7 @@
           <a:p>
             <a:pPr lvl="0"/>
             <a:r>
-              <a:rPr lang="en-US"/>
+              <a:rPr lang="en-US" smtClean="0"/>
               <a:t>Click to edit Master text styles</a:t>
             </a:r>
           </a:p>
@@ -2780,15 +2634,10 @@
             </a:lvl1pPr>
           </a:lstStyle>
           <a:p>
-            <a:pPr>
-              <a:defRPr/>
-            </a:pPr>
-            <a:fld id="{4B1BA0C8-EE00-46B0-AD85-C84548F328AA}" type="datetimeFigureOut">
+            <a:fld id="{40AE7E83-874B-4C70-9B0F-D6FF9E4DB7C3}" type="datetimeFigureOut">
               <a:rPr lang="ro-RO"/>
-              <a:pPr>
-                <a:defRPr/>
-              </a:pPr>
-              <a:t>17.02.2024</a:t>
+              <a:pPr/>
+              <a:t>06.06.2013</a:t>
             </a:fld>
             <a:endParaRPr lang="ro-RO"/>
           </a:p>
@@ -2813,10 +2662,7 @@
             </a:lvl1pPr>
           </a:lstStyle>
           <a:p>
-            <a:pPr>
-              <a:defRPr/>
-            </a:pPr>
-            <a:endParaRPr lang="ro-RO"/>
+            <a:endParaRPr lang="en-GB"/>
           </a:p>
         </p:txBody>
       </p:sp>
@@ -2839,14 +2685,9 @@
             </a:lvl1pPr>
           </a:lstStyle>
           <a:p>
-            <a:pPr>
-              <a:defRPr/>
-            </a:pPr>
-            <a:fld id="{A56AD58F-93BC-4373-951F-BF03F55581B2}" type="slidenum">
+            <a:fld id="{0A765D59-D4B1-4FBE-A68D-52966A9BB16F}" type="slidenum">
               <a:rPr lang="ro-RO"/>
-              <a:pPr>
-                <a:defRPr/>
-              </a:pPr>
+              <a:pPr/>
               <a:t>‹#›</a:t>
             </a:fld>
             <a:endParaRPr lang="ro-RO"/>
@@ -2919,10 +2760,10 @@
           <a:p>
             <a:pPr lvl="0"/>
             <a:r>
-              <a:rPr lang="en-US"/>
+              <a:rPr lang="en-US" smtClean="0"/>
               <a:t>Click to edit Master title style</a:t>
             </a:r>
-            <a:endParaRPr lang="ro-RO"/>
+            <a:endParaRPr lang="ro-RO" smtClean="0"/>
           </a:p>
         </p:txBody>
       </p:sp>
@@ -2962,38 +2803,38 @@
           <a:p>
             <a:pPr lvl="0"/>
             <a:r>
-              <a:rPr lang="en-US"/>
+              <a:rPr lang="en-US" smtClean="0"/>
               <a:t>Click to edit Master text styles</a:t>
             </a:r>
           </a:p>
           <a:p>
             <a:pPr lvl="1"/>
             <a:r>
-              <a:rPr lang="en-US"/>
+              <a:rPr lang="en-US" smtClean="0"/>
               <a:t>Second level</a:t>
             </a:r>
           </a:p>
           <a:p>
             <a:pPr lvl="2"/>
             <a:r>
-              <a:rPr lang="en-US"/>
+              <a:rPr lang="en-US" smtClean="0"/>
               <a:t>Third level</a:t>
             </a:r>
           </a:p>
           <a:p>
             <a:pPr lvl="3"/>
             <a:r>
-              <a:rPr lang="en-US"/>
+              <a:rPr lang="en-US" smtClean="0"/>
               <a:t>Fourth level</a:t>
             </a:r>
           </a:p>
           <a:p>
             <a:pPr lvl="4"/>
             <a:r>
-              <a:rPr lang="en-US"/>
+              <a:rPr lang="en-US" smtClean="0"/>
               <a:t>Fifth level</a:t>
             </a:r>
-            <a:endParaRPr lang="ro-RO"/>
+            <a:endParaRPr lang="ro-RO" smtClean="0"/>
           </a:p>
         </p:txBody>
       </p:sp>
@@ -3017,36 +2858,26 @@
           </a:prstGeom>
         </p:spPr>
         <p:txBody>
-          <a:bodyPr vert="horz" lIns="91440" tIns="45720" rIns="91440" bIns="45720" rtlCol="0" anchor="ctr"/>
-          <a:lstStyle>
-            <a:lvl1pPr algn="l" fontAlgn="auto">
-              <a:spcBef>
-                <a:spcPts val="0"/>
-              </a:spcBef>
-              <a:spcAft>
-                <a:spcPts val="0"/>
-              </a:spcAft>
+          <a:bodyPr vert="horz" wrap="square" lIns="91440" tIns="45720" rIns="91440" bIns="45720" numCol="1" anchor="ctr" anchorCtr="0" compatLnSpc="1">
+            <a:prstTxWarp prst="textNoShape">
+              <a:avLst/>
+            </a:prstTxWarp>
+          </a:bodyPr>
+          <a:lstStyle>
+            <a:lvl1pPr>
               <a:defRPr sz="1200">
                 <a:solidFill>
-                  <a:schemeClr val="tx1">
-                    <a:tint val="75000"/>
-                  </a:schemeClr>
+                  <a:srgbClr val="898989"/>
                 </a:solidFill>
-                <a:latin typeface="+mn-lt"/>
-                <a:cs typeface="+mn-cs"/>
+                <a:latin typeface="Calibri" pitchFamily="34" charset="0"/>
               </a:defRPr>
             </a:lvl1pPr>
           </a:lstStyle>
           <a:p>
-            <a:pPr>
-              <a:defRPr/>
-            </a:pPr>
-            <a:fld id="{36940227-7717-4B19-A6DD-41A415EC38AA}" type="datetimeFigureOut">
+            <a:fld id="{738BC8E4-CDC8-4D51-9692-5CF45AAC021A}" type="datetimeFigureOut">
               <a:rPr lang="ro-RO"/>
-              <a:pPr>
-                <a:defRPr/>
-              </a:pPr>
-              <a:t>17.02.2024</a:t>
+              <a:pPr/>
+              <a:t>06.06.2013</a:t>
             </a:fld>
             <a:endParaRPr lang="ro-RO"/>
           </a:p>
@@ -3072,31 +2903,23 @@
           </a:prstGeom>
         </p:spPr>
         <p:txBody>
-          <a:bodyPr vert="horz" lIns="91440" tIns="45720" rIns="91440" bIns="45720" rtlCol="0" anchor="ctr"/>
-          <a:lstStyle>
-            <a:lvl1pPr algn="ctr" fontAlgn="auto">
-              <a:spcBef>
-                <a:spcPts val="0"/>
-              </a:spcBef>
-              <a:spcAft>
-                <a:spcPts val="0"/>
-              </a:spcAft>
+          <a:bodyPr vert="horz" wrap="square" lIns="91440" tIns="45720" rIns="91440" bIns="45720" numCol="1" anchor="ctr" anchorCtr="0" compatLnSpc="1">
+            <a:prstTxWarp prst="textNoShape">
+              <a:avLst/>
+            </a:prstTxWarp>
+          </a:bodyPr>
+          <a:lstStyle>
+            <a:lvl1pPr algn="ctr">
               <a:defRPr sz="1200">
                 <a:solidFill>
-                  <a:schemeClr val="tx1">
-                    <a:tint val="75000"/>
-                  </a:schemeClr>
+                  <a:srgbClr val="898989"/>
                 </a:solidFill>
-                <a:latin typeface="+mn-lt"/>
-                <a:cs typeface="+mn-cs"/>
+                <a:latin typeface="Calibri" pitchFamily="34" charset="0"/>
               </a:defRPr>
             </a:lvl1pPr>
           </a:lstStyle>
           <a:p>
-            <a:pPr>
-              <a:defRPr/>
-            </a:pPr>
-            <a:endParaRPr lang="ro-RO"/>
+            <a:endParaRPr lang="en-GB"/>
           </a:p>
         </p:txBody>
       </p:sp>
@@ -3120,35 +2943,25 @@
           </a:prstGeom>
         </p:spPr>
         <p:txBody>
-          <a:bodyPr vert="horz" lIns="91440" tIns="45720" rIns="91440" bIns="45720" rtlCol="0" anchor="ctr"/>
-          <a:lstStyle>
-            <a:lvl1pPr algn="r" fontAlgn="auto">
-              <a:spcBef>
-                <a:spcPts val="0"/>
-              </a:spcBef>
-              <a:spcAft>
-                <a:spcPts val="0"/>
-              </a:spcAft>
+          <a:bodyPr vert="horz" wrap="square" lIns="91440" tIns="45720" rIns="91440" bIns="45720" numCol="1" anchor="ctr" anchorCtr="0" compatLnSpc="1">
+            <a:prstTxWarp prst="textNoShape">
+              <a:avLst/>
+            </a:prstTxWarp>
+          </a:bodyPr>
+          <a:lstStyle>
+            <a:lvl1pPr algn="r">
               <a:defRPr sz="1200">
                 <a:solidFill>
-                  <a:schemeClr val="tx1">
-                    <a:tint val="75000"/>
-                  </a:schemeClr>
+                  <a:srgbClr val="898989"/>
                 </a:solidFill>
-                <a:latin typeface="+mn-lt"/>
-                <a:cs typeface="+mn-cs"/>
+                <a:latin typeface="Calibri" pitchFamily="34" charset="0"/>
               </a:defRPr>
             </a:lvl1pPr>
           </a:lstStyle>
           <a:p>
-            <a:pPr>
-              <a:defRPr/>
-            </a:pPr>
-            <a:fld id="{7B0E0737-1AF9-4A96-8B26-4AB66E2410AE}" type="slidenum">
+            <a:fld id="{A7850C77-9C42-4609-9255-C4F24C4B64C2}" type="slidenum">
               <a:rPr lang="ro-RO"/>
-              <a:pPr>
-                <a:defRPr/>
-              </a:pPr>
+              <a:pPr/>
               <a:t>‹#›</a:t>
             </a:fld>
             <a:endParaRPr lang="ro-RO"/>
@@ -3572,7 +3385,7 @@
       </p:grpSpPr>
       <p:sp>
         <p:nvSpPr>
-          <p:cNvPr id="2050" name="Title 1"/>
+          <p:cNvPr id="2" name="Title 1"/>
           <p:cNvSpPr>
             <a:spLocks noGrp="1"/>
           </p:cNvSpPr>
@@ -3582,19 +3395,20 @@
         </p:nvSpPr>
         <p:spPr/>
         <p:txBody>
-          <a:bodyPr/>
+          <a:bodyPr>
+            <a:normAutofit/>
+          </a:bodyPr>
           <a:lstStyle/>
           <a:p>
             <a:pPr eaLnBrk="1" hangingPunct="1"/>
             <a:r>
-              <a:rPr lang="it-IT" sz="1400" b="1" dirty="0">
-                <a:solidFill>
-                  <a:srgbClr val="000000"/>
-                </a:solidFill>
+              <a:rPr lang="ro-RO" sz="1400" b="1" smtClean="0">
                 <a:latin typeface="Arial" charset="0"/>
+                <a:cs typeface="Arial" charset="0"/>
               </a:rPr>
-              <a:t>Hidrografia</a:t>
-            </a:r>
+              <a:t>CONSTITUIREA STATELOR MEDIEVALE ÎN SPAȚIUL ROMÂNESC</a:t>
+            </a:r>
+            <a:endParaRPr lang="ro-RO" sz="4000" smtClean="0"/>
           </a:p>
         </p:txBody>
       </p:sp>
@@ -3610,76 +3424,97 @@
         </p:nvSpPr>
         <p:spPr>
           <a:xfrm>
-            <a:off x="928662" y="3886200"/>
-            <a:ext cx="6843738" cy="685800"/>
+            <a:off x="928688" y="3886200"/>
+            <a:ext cx="7286625" cy="695325"/>
           </a:xfrm>
         </p:spPr>
         <p:txBody>
           <a:bodyPr/>
           <a:lstStyle/>
           <a:p>
-            <a:pPr algn="just" eaLnBrk="1" hangingPunct="1"/>
-            <a:r>
-              <a:rPr lang="vi-VN" sz="1000" dirty="0">
+            <a:pPr eaLnBrk="1" hangingPunct="1"/>
+            <a:r>
+              <a:rPr lang="ro-RO" sz="1000" smtClean="0">
                 <a:solidFill>
                   <a:schemeClr val="tx1"/>
                 </a:solidFill>
-                <a:latin typeface="Arial" panose="020B0604020202020204" pitchFamily="34" charset="0"/>
-                <a:cs typeface="Arial" panose="020B0604020202020204" pitchFamily="34" charset="0"/>
+                <a:latin typeface="Arial" charset="0"/>
+                <a:cs typeface="Arial" charset="0"/>
               </a:rPr>
               <a:t>(Adaptat după </a:t>
             </a:r>
             <a:r>
-              <a:rPr lang="pt-BR" sz="1000" i="1" dirty="0">
+              <a:rPr lang="ro-RO" sz="1000" i="1" smtClean="0">
                 <a:solidFill>
                   <a:schemeClr val="tx1"/>
                 </a:solidFill>
-                <a:latin typeface="Arial" panose="020B0604020202020204" pitchFamily="34" charset="0"/>
-                <a:cs typeface="Arial" panose="020B0604020202020204" pitchFamily="34" charset="0"/>
+                <a:latin typeface="Arial" charset="0"/>
+                <a:cs typeface="Arial" charset="0"/>
               </a:rPr>
-              <a:t>Manualul de Geografie, clasa a VI-a, Silviu Neguț, Carmen-Camelia Rădulescu, Ionuț Popa</a:t>
-            </a:r>
-            <a:r>
-              <a:rPr lang="vi-VN" sz="1000" dirty="0" smtClean="0">
+              <a:t>Manualul de Istorie</a:t>
+            </a:r>
+            <a:r>
+              <a:rPr lang="en-GB" sz="1000" i="1" smtClean="0">
                 <a:solidFill>
                   <a:schemeClr val="tx1"/>
                 </a:solidFill>
-                <a:latin typeface="Arial" panose="020B0604020202020204" pitchFamily="34" charset="0"/>
-                <a:cs typeface="Arial" panose="020B0604020202020204" pitchFamily="34" charset="0"/>
+                <a:latin typeface="Arial" charset="0"/>
+                <a:cs typeface="Arial" charset="0"/>
+              </a:rPr>
+              <a:t>,</a:t>
+            </a:r>
+            <a:r>
+              <a:rPr lang="ro-RO" sz="1000" i="1" smtClean="0">
+                <a:solidFill>
+                  <a:schemeClr val="tx1"/>
+                </a:solidFill>
+                <a:latin typeface="Arial" charset="0"/>
+                <a:cs typeface="Arial" charset="0"/>
+              </a:rPr>
+              <a:t> clasa a IX-a</a:t>
+            </a:r>
+            <a:r>
+              <a:rPr lang="ro-RO" sz="1000" smtClean="0">
+                <a:solidFill>
+                  <a:schemeClr val="tx1"/>
+                </a:solidFill>
+                <a:latin typeface="Arial" charset="0"/>
+                <a:cs typeface="Arial" charset="0"/>
+              </a:rPr>
+              <a:t>, Ioan Scurtu, Marian Curculescu, Constantin Dincă, Aurel Constantin Soare</a:t>
+            </a:r>
+            <a:r>
+              <a:rPr lang="it-IT" sz="1000" smtClean="0">
+                <a:solidFill>
+                  <a:schemeClr val="tx1"/>
+                </a:solidFill>
+                <a:latin typeface="Arial" charset="0"/>
+                <a:cs typeface="Arial" charset="0"/>
               </a:rPr>
               <a:t>)</a:t>
             </a:r>
-            <a:endParaRPr lang="vi-VN" sz="1000" dirty="0">
-              <a:solidFill>
-                <a:schemeClr val="tx1"/>
-              </a:solidFill>
-              <a:latin typeface="Arial" panose="020B0604020202020204" pitchFamily="34" charset="0"/>
-              <a:cs typeface="Arial" panose="020B0604020202020204" pitchFamily="34" charset="0"/>
-            </a:endParaRPr>
-          </a:p>
-          <a:p>
-            <a:pPr eaLnBrk="1" hangingPunct="1"/>
-            <a:endParaRPr lang="ro-RO" sz="1000" dirty="0">
+            <a:endParaRPr lang="ro-RO" sz="1000" smtClean="0">
               <a:solidFill>
                 <a:schemeClr val="tx1"/>
               </a:solidFill>
               <a:latin typeface="Arial" charset="0"/>
+              <a:cs typeface="Arial" charset="0"/>
             </a:endParaRPr>
           </a:p>
         </p:txBody>
       </p:sp>
       <p:sp>
         <p:nvSpPr>
-          <p:cNvPr id="2052" name="Rectangle 1"/>
-          <p:cNvSpPr>
+          <p:cNvPr id="2052" name="Text Box 4"/>
+          <p:cNvSpPr txBox="1">
             <a:spLocks noChangeArrowheads="1"/>
           </p:cNvSpPr>
           <p:nvPr/>
         </p:nvSpPr>
         <p:spPr bwMode="auto">
           <a:xfrm>
-            <a:off x="214313" y="571500"/>
-            <a:ext cx="8605837" cy="400050"/>
+            <a:off x="457200" y="228600"/>
+            <a:ext cx="8001000" cy="400110"/>
           </a:xfrm>
           <a:prstGeom prst="rect">
             <a:avLst/>
@@ -3693,30 +3528,23 @@
           </a:ln>
         </p:spPr>
         <p:txBody>
-          <a:bodyPr anchor="ctr">
+          <a:bodyPr>
             <a:spAutoFit/>
           </a:bodyPr>
           <a:lstStyle/>
           <a:p>
             <a:r>
-              <a:rPr lang="ro-RO" sz="1000" dirty="0"/>
-              <a:t>Examenul național de bacalaureat 20</a:t>
-            </a:r>
-            <a:r>
-              <a:rPr lang="en-US" sz="1000" dirty="0"/>
-              <a:t>2</a:t>
-            </a:r>
-            <a:r>
-              <a:rPr lang="ro-RO" sz="1000" dirty="0"/>
-              <a:t>4</a:t>
-            </a:r>
-          </a:p>
-          <a:p>
-            <a:pPr eaLnBrk="0" hangingPunct="0"/>
-            <a:r>
-              <a:rPr lang="ro-RO" sz="1000" dirty="0"/>
-              <a:t>Proba de evaluare a competențelor digitale  - document de lucru</a:t>
-            </a:r>
+              <a:rPr lang="ro-RO" sz="1000" dirty="0" smtClean="0"/>
+              <a:t>Examenul de bacalaureat naţional 2013</a:t>
+            </a:r>
+            <a:endParaRPr lang="en-US" sz="1000" dirty="0" smtClean="0"/>
+          </a:p>
+          <a:p>
+            <a:r>
+              <a:rPr lang="ro-RO" sz="1000" dirty="0" smtClean="0"/>
+              <a:t>Proba de evaluare a competenţelor digitale – document de lucru</a:t>
+            </a:r>
+            <a:endParaRPr lang="en-US" sz="1000" dirty="0"/>
           </a:p>
         </p:txBody>
       </p:sp>
@@ -3747,357 +3575,170 @@
       </p:grpSpPr>
       <p:sp>
         <p:nvSpPr>
-          <p:cNvPr id="3074" name="Content Placeholder 4"/>
-          <p:cNvSpPr>
-            <a:spLocks noGrp="1"/>
-          </p:cNvSpPr>
-          <p:nvPr>
-            <p:ph sz="half" idx="1"/>
+          <p:cNvPr id="3074" name="Title 1"/>
+          <p:cNvSpPr>
+            <a:spLocks noGrp="1"/>
+          </p:cNvSpPr>
+          <p:nvPr>
+            <p:ph type="title"/>
           </p:nvPr>
         </p:nvSpPr>
         <p:spPr>
           <a:xfrm>
-            <a:off x="468313" y="908050"/>
-            <a:ext cx="4391025" cy="4949825"/>
+            <a:off x="457200" y="274638"/>
+            <a:ext cx="8229600" cy="633412"/>
           </a:xfrm>
         </p:spPr>
         <p:txBody>
           <a:bodyPr/>
           <a:lstStyle/>
           <a:p>
-            <a:pPr marL="0" indent="542925" algn="just">
+            <a:pPr algn="l"/>
+            <a:r>
+              <a:rPr lang="ro-RO" sz="1000" dirty="0" smtClean="0">
+                <a:latin typeface="Arial" pitchFamily="34" charset="0"/>
+                <a:cs typeface="Arial" pitchFamily="34" charset="0"/>
+              </a:rPr>
+              <a:t>Examenul de bacalaureat naţional 2013</a:t>
+            </a:r>
+            <a:r>
+              <a:rPr lang="en-US" sz="1000" dirty="0" smtClean="0">
+                <a:latin typeface="Arial" pitchFamily="34" charset="0"/>
+                <a:cs typeface="Arial" pitchFamily="34" charset="0"/>
+              </a:rPr>
+              <a:t/>
+            </a:r>
+            <a:br>
+              <a:rPr lang="en-US" sz="1000" dirty="0" smtClean="0">
+                <a:latin typeface="Arial" pitchFamily="34" charset="0"/>
+                <a:cs typeface="Arial" pitchFamily="34" charset="0"/>
+              </a:rPr>
+            </a:br>
+            <a:r>
+              <a:rPr lang="ro-RO" sz="1000" dirty="0" smtClean="0">
+                <a:latin typeface="Arial" pitchFamily="34" charset="0"/>
+                <a:cs typeface="Arial" pitchFamily="34" charset="0"/>
+              </a:rPr>
+              <a:t>Proba de evaluare a competenţelor digitale – document de lucru</a:t>
+            </a:r>
+            <a:endParaRPr lang="ro-RO" sz="1000" dirty="0" smtClean="0">
+              <a:latin typeface="Arial" pitchFamily="34" charset="0"/>
+              <a:cs typeface="Arial" pitchFamily="34" charset="0"/>
+            </a:endParaRPr>
+          </a:p>
+        </p:txBody>
+      </p:sp>
+      <p:sp>
+        <p:nvSpPr>
+          <p:cNvPr id="3" name="Content Placeholder 2"/>
+          <p:cNvSpPr>
+            <a:spLocks noGrp="1"/>
+          </p:cNvSpPr>
+          <p:nvPr>
+            <p:ph sz="half" idx="1"/>
+          </p:nvPr>
+        </p:nvSpPr>
+        <p:spPr>
+          <a:xfrm>
+            <a:off x="468313" y="1125538"/>
+            <a:ext cx="4751387" cy="5256212"/>
+          </a:xfrm>
+        </p:spPr>
+        <p:txBody>
+          <a:bodyPr>
+            <a:normAutofit/>
+          </a:bodyPr>
+          <a:lstStyle/>
+          <a:p>
+            <a:pPr marL="0" indent="355600" algn="just">
+              <a:buFont typeface="Arial" charset="0"/>
               <a:buNone/>
             </a:pPr>
             <a:r>
-              <a:rPr lang="ro-RO" sz="1200" dirty="0">
-                <a:solidFill>
-                  <a:srgbClr val="000000"/>
-                </a:solidFill>
-                <a:latin typeface="Arial" panose="020B0604020202020204" pitchFamily="34" charset="0"/>
-                <a:ea typeface="Calibri" pitchFamily="34" charset="0"/>
-                <a:cs typeface="Arial" panose="020B0604020202020204" pitchFamily="34" charset="0"/>
+              <a:rPr lang="ro-RO" sz="1200" smtClean="0">
+                <a:latin typeface="Arial" charset="0"/>
               </a:rPr>
-              <a:t>Hidrografia Europei este evidențiată de toate tipurile de ape continentale</a:t>
-            </a:r>
-            <a:r>
-              <a:rPr lang="ro-RO" sz="1200" dirty="0" smtClean="0">
-                <a:solidFill>
-                  <a:srgbClr val="000000"/>
-                </a:solidFill>
-                <a:latin typeface="Arial" panose="020B0604020202020204" pitchFamily="34" charset="0"/>
-                <a:ea typeface="Calibri" pitchFamily="34" charset="0"/>
-                <a:cs typeface="Arial" panose="020B0604020202020204" pitchFamily="34" charset="0"/>
+              <a:t>Procesul european de constituire a statelor medievale s-a înregistrat şi în spaţiul românesc. Au existat premise interne şi externe.</a:t>
+            </a:r>
+          </a:p>
+          <a:p>
+            <a:pPr marL="0" indent="355600" algn="just">
+              <a:buFont typeface="Arial" charset="0"/>
+              <a:buNone/>
+            </a:pPr>
+            <a:r>
+              <a:rPr lang="ro-RO" sz="1200" smtClean="0">
+                <a:latin typeface="Arial" charset="0"/>
               </a:rPr>
-              <a:t>.</a:t>
-            </a:r>
-            <a:r>
-              <a:rPr lang="en-US" sz="1200" dirty="0" smtClean="0">
-                <a:solidFill>
-                  <a:srgbClr val="000000"/>
-                </a:solidFill>
-                <a:latin typeface="Arial" panose="020B0604020202020204" pitchFamily="34" charset="0"/>
-                <a:ea typeface="Calibri" pitchFamily="34" charset="0"/>
-                <a:cs typeface="Arial" panose="020B0604020202020204" pitchFamily="34" charset="0"/>
+              <a:t>Premisele interne au fost diverse: creşterea demografică, determinată de dărnicia pământului, resursele solului şi subsolului, configuraţia reliefului, care au asigurat protecţia românilor în vremuri de restrişte; dezvoltarea economică (agricultura, meşteşugurile, creşterea vitelor, comerţul, circulaţia monetară); evoluţia politico-socială, care a condus la procesul de feudalizare, realizându-se trecerea de la uniunile de obşti (romanii populare) la constituirea primelor formaţiuni politice numite cnezate şi voievodate, conduse de cneji, respectiv voievozi. Aceştia aveau atribuţii militare, politice, judecătoreşti şi administrative.[…] </a:t>
+            </a:r>
+          </a:p>
+          <a:p>
+            <a:pPr marL="0" indent="355600" algn="just">
+              <a:buFont typeface="Arial" charset="0"/>
+              <a:buNone/>
+            </a:pPr>
+            <a:r>
+              <a:rPr lang="ro-RO" sz="1200" smtClean="0">
+                <a:latin typeface="Arial" charset="0"/>
+              </a:rPr>
+              <a:t>O particularitate o reprezintă contribuţia românilor din Transilvania la geneza statelor extracarpatice (Ţara Românească şi Moldova) reflectată în tradiţia descălecatului.</a:t>
+            </a:r>
+            <a:r>
+              <a:rPr lang="en-GB" sz="1200" smtClean="0">
+                <a:latin typeface="Arial" charset="0"/>
               </a:rPr>
               <a:t> </a:t>
             </a:r>
-            <a:r>
-              <a:rPr lang="ro-RO" sz="1200" dirty="0" smtClean="0">
-                <a:solidFill>
-                  <a:srgbClr val="000000"/>
-                </a:solidFill>
-                <a:latin typeface="Arial" panose="020B0604020202020204" pitchFamily="34" charset="0"/>
-                <a:ea typeface="Calibri" pitchFamily="34" charset="0"/>
-                <a:cs typeface="Arial" panose="020B0604020202020204" pitchFamily="34" charset="0"/>
+          </a:p>
+          <a:p>
+            <a:pPr marL="0" indent="355600" algn="just">
+              <a:buFont typeface="Arial" charset="0"/>
+              <a:buNone/>
+            </a:pPr>
+            <a:r>
+              <a:rPr lang="ro-RO" sz="1200" smtClean="0">
+                <a:latin typeface="Arial" charset="0"/>
               </a:rPr>
-              <a:t>[…] </a:t>
-            </a:r>
-            <a:r>
-              <a:rPr lang="ro-RO" sz="1200" dirty="0">
-                <a:solidFill>
-                  <a:srgbClr val="000000"/>
-                </a:solidFill>
-                <a:latin typeface="Arial" panose="020B0604020202020204" pitchFamily="34" charset="0"/>
-                <a:ea typeface="Calibri" pitchFamily="34" charset="0"/>
-                <a:cs typeface="Arial" panose="020B0604020202020204" pitchFamily="34" charset="0"/>
+              <a:t>Premisele externe au stimulat procesul de constituire a statelor medievale. Astfel, prezenţa cumanilor (aceştia au organizat în secolele XI-XIII un stat în câmpia nord-dunăreană) şi a tătarilor (Hanatul Hoardei de Aur în nordul Mării Negre) a creat un echilibru de forţe care a împiedicat Regatul Ungaria, Imperiul Bizantin şi statele ruse Kiev şi Halici să-şi extindă dominaţia asupra spaţiului românesc. </a:t>
+            </a:r>
+          </a:p>
+          <a:p>
+            <a:pPr marL="0" indent="355600" algn="just">
+              <a:buFont typeface="Arial" charset="0"/>
+              <a:buNone/>
+            </a:pPr>
+            <a:r>
+              <a:rPr lang="ro-RO" sz="1200" smtClean="0">
+                <a:latin typeface="Arial" charset="0"/>
               </a:rPr>
-              <a:t>Uscatul european este străbătut în toate direcțiile de numeroase fluvii, traseul, lungimea și debitul lor fiind influențate de varietatea </a:t>
-            </a:r>
-            <a:r>
-              <a:rPr lang="ro-RO" sz="1200" dirty="0" smtClean="0">
-                <a:solidFill>
-                  <a:srgbClr val="000000"/>
-                </a:solidFill>
-                <a:latin typeface="Arial" panose="020B0604020202020204" pitchFamily="34" charset="0"/>
-                <a:ea typeface="Calibri" pitchFamily="34" charset="0"/>
-                <a:cs typeface="Arial" panose="020B0604020202020204" pitchFamily="34" charset="0"/>
-              </a:rPr>
-              <a:t>și</a:t>
-            </a:r>
-            <a:r>
-              <a:rPr lang="en-US" sz="1200" dirty="0" smtClean="0">
-                <a:solidFill>
-                  <a:srgbClr val="000000"/>
-                </a:solidFill>
-                <a:latin typeface="Arial" panose="020B0604020202020204" pitchFamily="34" charset="0"/>
-                <a:ea typeface="Calibri" pitchFamily="34" charset="0"/>
-                <a:cs typeface="Arial" panose="020B0604020202020204" pitchFamily="34" charset="0"/>
-              </a:rPr>
-              <a:t> </a:t>
-            </a:r>
-            <a:r>
-              <a:rPr lang="ro-RO" sz="1200" dirty="0" smtClean="0">
-                <a:solidFill>
-                  <a:srgbClr val="000000"/>
-                </a:solidFill>
-                <a:latin typeface="Arial" panose="020B0604020202020204" pitchFamily="34" charset="0"/>
-                <a:ea typeface="Calibri" pitchFamily="34" charset="0"/>
-                <a:cs typeface="Arial" panose="020B0604020202020204" pitchFamily="34" charset="0"/>
-              </a:rPr>
-              <a:t>dispunerea </a:t>
-            </a:r>
-            <a:r>
-              <a:rPr lang="ro-RO" sz="1200" dirty="0">
-                <a:solidFill>
-                  <a:srgbClr val="000000"/>
-                </a:solidFill>
-                <a:latin typeface="Arial" panose="020B0604020202020204" pitchFamily="34" charset="0"/>
-                <a:ea typeface="Calibri" pitchFamily="34" charset="0"/>
-                <a:cs typeface="Arial" panose="020B0604020202020204" pitchFamily="34" charset="0"/>
-              </a:rPr>
-              <a:t>unităților majore de relief și de diferențierile climatice. </a:t>
-            </a:r>
-            <a:r>
-              <a:rPr lang="ro-RO" sz="1200" dirty="0" smtClean="0">
-                <a:solidFill>
-                  <a:srgbClr val="000000"/>
-                </a:solidFill>
-                <a:latin typeface="Arial" panose="020B0604020202020204" pitchFamily="34" charset="0"/>
-                <a:ea typeface="Calibri" pitchFamily="34" charset="0"/>
-                <a:cs typeface="Arial" panose="020B0604020202020204" pitchFamily="34" charset="0"/>
-              </a:rPr>
-              <a:t>[…]</a:t>
-            </a:r>
-            <a:endParaRPr lang="en-US" sz="1200" dirty="0" smtClean="0">
-              <a:solidFill>
-                <a:srgbClr val="000000"/>
-              </a:solidFill>
-              <a:latin typeface="Arial" panose="020B0604020202020204" pitchFamily="34" charset="0"/>
-              <a:ea typeface="Calibri" pitchFamily="34" charset="0"/>
-              <a:cs typeface="Arial" panose="020B0604020202020204" pitchFamily="34" charset="0"/>
-            </a:endParaRPr>
-          </a:p>
-          <a:p>
-            <a:pPr marL="0" indent="542925" algn="just">
-              <a:buNone/>
-            </a:pPr>
-            <a:r>
-              <a:rPr lang="ro-RO" sz="1200" dirty="0">
-                <a:solidFill>
-                  <a:srgbClr val="000000"/>
-                </a:solidFill>
-                <a:latin typeface="Arial" panose="020B0604020202020204" pitchFamily="34" charset="0"/>
-                <a:ea typeface="Calibri" pitchFamily="34" charset="0"/>
-                <a:cs typeface="Arial" panose="020B0604020202020204" pitchFamily="34" charset="0"/>
-              </a:rPr>
-              <a:t>De la izvoare (Podișul Valdai) și până la vărsare, Volga, cel mai lung fluviu european, traversează doar unități joase de relief și o singură țară (Federația Rusă</a:t>
-            </a:r>
-            <a:r>
-              <a:rPr lang="ro-RO" sz="1200" dirty="0" smtClean="0">
-                <a:solidFill>
-                  <a:srgbClr val="000000"/>
-                </a:solidFill>
-                <a:latin typeface="Arial" panose="020B0604020202020204" pitchFamily="34" charset="0"/>
-                <a:ea typeface="Calibri" pitchFamily="34" charset="0"/>
-                <a:cs typeface="Arial" panose="020B0604020202020204" pitchFamily="34" charset="0"/>
-              </a:rPr>
-              <a:t>).</a:t>
-            </a:r>
-            <a:r>
-              <a:rPr lang="en-US" sz="1200" dirty="0" smtClean="0">
-                <a:solidFill>
-                  <a:srgbClr val="000000"/>
-                </a:solidFill>
-                <a:latin typeface="Arial" panose="020B0604020202020204" pitchFamily="34" charset="0"/>
-                <a:ea typeface="Calibri" pitchFamily="34" charset="0"/>
-                <a:cs typeface="Arial" panose="020B0604020202020204" pitchFamily="34" charset="0"/>
-              </a:rPr>
-              <a:t> </a:t>
-            </a:r>
-            <a:r>
-              <a:rPr lang="ro-RO" sz="1200" dirty="0" smtClean="0">
-                <a:solidFill>
-                  <a:srgbClr val="000000"/>
-                </a:solidFill>
-                <a:latin typeface="Arial" panose="020B0604020202020204" pitchFamily="34" charset="0"/>
-                <a:ea typeface="Calibri" pitchFamily="34" charset="0"/>
-                <a:cs typeface="Arial" panose="020B0604020202020204" pitchFamily="34" charset="0"/>
-              </a:rPr>
-              <a:t>[…]</a:t>
-            </a:r>
-            <a:endParaRPr lang="en-US" sz="1200" dirty="0" smtClean="0">
-              <a:solidFill>
-                <a:srgbClr val="000000"/>
-              </a:solidFill>
-              <a:latin typeface="Arial" panose="020B0604020202020204" pitchFamily="34" charset="0"/>
-              <a:ea typeface="Calibri" pitchFamily="34" charset="0"/>
-              <a:cs typeface="Arial" panose="020B0604020202020204" pitchFamily="34" charset="0"/>
-            </a:endParaRPr>
-          </a:p>
-          <a:p>
-            <a:pPr marL="0" indent="542925" algn="just">
-              <a:buNone/>
-            </a:pPr>
-            <a:r>
-              <a:rPr lang="ro-RO" sz="1200" dirty="0">
-                <a:solidFill>
-                  <a:srgbClr val="000000"/>
-                </a:solidFill>
-                <a:latin typeface="Arial" panose="020B0604020202020204" pitchFamily="34" charset="0"/>
-                <a:ea typeface="Calibri" pitchFamily="34" charset="0"/>
-                <a:cs typeface="Arial" panose="020B0604020202020204" pitchFamily="34" charset="0"/>
-              </a:rPr>
-              <a:t>Spre deosebire de Volga, Dunărea izvorăște din Munții Pădurea Neagră și străbate Europa de la vest la est, trecând prin mai multe trepte și unități de relief și prin mai multe țări. </a:t>
-            </a:r>
-            <a:r>
-              <a:rPr lang="ro-RO" sz="1200" dirty="0" smtClean="0">
-                <a:solidFill>
-                  <a:srgbClr val="000000"/>
-                </a:solidFill>
-                <a:latin typeface="Arial" panose="020B0604020202020204" pitchFamily="34" charset="0"/>
-                <a:ea typeface="Calibri" pitchFamily="34" charset="0"/>
-                <a:cs typeface="Arial" panose="020B0604020202020204" pitchFamily="34" charset="0"/>
-              </a:rPr>
-              <a:t>[…]</a:t>
-            </a:r>
-            <a:endParaRPr lang="en-US" sz="1200" dirty="0" smtClean="0">
-              <a:solidFill>
-                <a:srgbClr val="000000"/>
-              </a:solidFill>
-              <a:latin typeface="Arial" panose="020B0604020202020204" pitchFamily="34" charset="0"/>
-              <a:ea typeface="Calibri" pitchFamily="34" charset="0"/>
-              <a:cs typeface="Arial" panose="020B0604020202020204" pitchFamily="34" charset="0"/>
-            </a:endParaRPr>
-          </a:p>
-          <a:p>
-            <a:pPr marL="0" indent="542925" algn="just">
-              <a:buNone/>
-            </a:pPr>
-            <a:r>
-              <a:rPr lang="ro-RO" sz="1200" dirty="0">
-                <a:solidFill>
-                  <a:srgbClr val="000000"/>
-                </a:solidFill>
-                <a:latin typeface="Arial" panose="020B0604020202020204" pitchFamily="34" charset="0"/>
-                <a:ea typeface="Calibri" pitchFamily="34" charset="0"/>
-                <a:cs typeface="Arial" panose="020B0604020202020204" pitchFamily="34" charset="0"/>
-              </a:rPr>
-              <a:t>Fluviile și râurile Europei reprezintă importante surse de apă pentru alimentarea localităților și pentru irigații, resurse energetice regenerabile, căi navigabile utilizate îndeosebi pentru transportul de mărfuri, iar unele se constituie în granițe naturale. […]</a:t>
-            </a:r>
-          </a:p>
-          <a:p>
-            <a:pPr marL="0" indent="542925" algn="just">
-              <a:buNone/>
-            </a:pPr>
-            <a:r>
-              <a:rPr lang="ro-RO" sz="1200" dirty="0">
-                <a:solidFill>
-                  <a:srgbClr val="000000"/>
-                </a:solidFill>
-                <a:latin typeface="Arial" panose="020B0604020202020204" pitchFamily="34" charset="0"/>
-                <a:ea typeface="Calibri" pitchFamily="34" charset="0"/>
-                <a:cs typeface="Arial" panose="020B0604020202020204" pitchFamily="34" charset="0"/>
-              </a:rPr>
-              <a:t>Rețeaua de fluvii este neuniform distribuită și tributară în cea mai mare parte, direct sau indirect (prin intermediul mărilor), oceanelor Atlantic și Arctic. Primele două fluvii din Europa, ca lungime și debit, sunt Volga și Dunărea. </a:t>
-            </a:r>
-            <a:r>
-              <a:rPr lang="ro-RO" sz="1200" dirty="0" smtClean="0">
-                <a:solidFill>
-                  <a:srgbClr val="000000"/>
-                </a:solidFill>
-                <a:latin typeface="Arial" panose="020B0604020202020204" pitchFamily="34" charset="0"/>
-                <a:ea typeface="Calibri" pitchFamily="34" charset="0"/>
-                <a:cs typeface="Arial" panose="020B0604020202020204" pitchFamily="34" charset="0"/>
-              </a:rPr>
-              <a:t>[…]</a:t>
-            </a:r>
-          </a:p>
-        </p:txBody>
-      </p:sp>
-      <p:sp>
-        <p:nvSpPr>
-          <p:cNvPr id="3075" name="Text Box 5"/>
-          <p:cNvSpPr txBox="1">
-            <a:spLocks noChangeArrowheads="1"/>
-          </p:cNvSpPr>
-          <p:nvPr/>
-        </p:nvSpPr>
-        <p:spPr bwMode="auto">
-          <a:xfrm>
-            <a:off x="539750" y="260350"/>
-            <a:ext cx="8353425" cy="400110"/>
-          </a:xfrm>
-          <a:prstGeom prst="rect">
-            <a:avLst/>
-          </a:prstGeom>
-          <a:noFill/>
-          <a:ln w="9525">
-            <a:noFill/>
-            <a:miter lim="800000"/>
-            <a:headEnd/>
-            <a:tailEnd/>
-          </a:ln>
-        </p:spPr>
-        <p:txBody>
-          <a:bodyPr>
-            <a:spAutoFit/>
-          </a:bodyPr>
-          <a:lstStyle/>
-          <a:p>
-            <a:r>
-              <a:rPr lang="ro-RO" sz="1000" dirty="0"/>
-              <a:t>Examenul național de bacalaureat 20</a:t>
-            </a:r>
-            <a:r>
-              <a:rPr lang="en-US" sz="1000" dirty="0"/>
-              <a:t>2</a:t>
-            </a:r>
-            <a:r>
-              <a:rPr lang="ro-RO" sz="1000" dirty="0"/>
-              <a:t>4</a:t>
-            </a:r>
-          </a:p>
-          <a:p>
-            <a:r>
-              <a:rPr lang="ro-RO" sz="1000" dirty="0"/>
-              <a:t>Proba de evaluare a competențelor digitale  - document de lucru</a:t>
-            </a:r>
-            <a:endParaRPr lang="en-GB" sz="1000" dirty="0"/>
+              <a:t>De asemenea, un fapt notabil l-a reprezentat criza internă din Regatul Ungariei, determinată de luptele pentru tron apărute în urma stingerii dinastiei arpadiene, în anul 1301.[…]</a:t>
+            </a:r>
           </a:p>
         </p:txBody>
       </p:sp>
       <p:pic>
         <p:nvPicPr>
-          <p:cNvPr id="4" name="Picture 3"/>
+          <p:cNvPr id="3076" name="Content Placeholder 6" descr="denush.jpg"/>
           <p:cNvPicPr>
-            <a:picLocks noChangeAspect="1"/>
+            <a:picLocks noGrp="1"/>
           </p:cNvPicPr>
-          <p:nvPr/>
+          <p:nvPr>
+            <p:ph sz="half" idx="2"/>
+          </p:nvPr>
         </p:nvPicPr>
         <p:blipFill>
-          <a:blip r:embed="rId2"/>
+          <a:blip r:embed="rId2" cstate="print"/>
+          <a:srcRect/>
           <a:stretch>
             <a:fillRect/>
           </a:stretch>
         </p:blipFill>
         <p:spPr>
           <a:xfrm>
-            <a:off x="5220072" y="1196752"/>
-            <a:ext cx="3600000" cy="3600000"/>
+            <a:off x="5435600" y="2276475"/>
+            <a:ext cx="3238500" cy="3238500"/>
           </a:xfrm>
-          <a:prstGeom prst="rect">
-            <a:avLst/>
-          </a:prstGeom>
         </p:spPr>
       </p:pic>
     </p:spTree>
@@ -4127,481 +3768,329 @@
       </p:grpSpPr>
       <p:sp>
         <p:nvSpPr>
-          <p:cNvPr id="4098" name="Content Placeholder 2"/>
-          <p:cNvSpPr>
-            <a:spLocks noGrp="1"/>
-          </p:cNvSpPr>
-          <p:nvPr>
-            <p:ph idx="1"/>
-          </p:nvPr>
-        </p:nvSpPr>
-        <p:spPr>
-          <a:xfrm>
-            <a:off x="468313" y="1125538"/>
-            <a:ext cx="8229600" cy="5268912"/>
-          </a:xfrm>
-        </p:spPr>
+          <p:cNvPr id="4098" name="Title 1"/>
+          <p:cNvSpPr>
+            <a:spLocks noGrp="1"/>
+          </p:cNvSpPr>
+          <p:nvPr>
+            <p:ph type="title"/>
+          </p:nvPr>
+        </p:nvSpPr>
+        <p:spPr/>
         <p:txBody>
           <a:bodyPr/>
           <a:lstStyle/>
           <a:p>
-            <a:pPr marL="0" lvl="1" indent="538163" algn="just" eaLnBrk="1" hangingPunct="1">
-              <a:spcBef>
-                <a:spcPct val="0"/>
-              </a:spcBef>
-              <a:buFont typeface="+mj-lt"/>
-              <a:buAutoNum type="arabicPeriod"/>
-            </a:pPr>
-            <a:r>
-              <a:rPr lang="en-US" sz="1200" dirty="0" smtClean="0">
+            <a:pPr algn="l"/>
+            <a:r>
+              <a:rPr lang="ro-RO" sz="1000" dirty="0" smtClean="0">
                 <a:latin typeface="Arial" pitchFamily="34" charset="0"/>
                 <a:cs typeface="Arial" pitchFamily="34" charset="0"/>
               </a:rPr>
-              <a:t>Europa de</a:t>
-            </a:r>
-            <a:r>
-              <a:rPr lang="ro-RO" sz="1200" dirty="0" smtClean="0">
+              <a:t>Examenul de bacalaureat naţional 2013</a:t>
+            </a:r>
+            <a:r>
+              <a:rPr lang="en-US" sz="1000" dirty="0" smtClean="0">
                 <a:latin typeface="Arial" pitchFamily="34" charset="0"/>
                 <a:cs typeface="Arial" pitchFamily="34" charset="0"/>
               </a:rPr>
-              <a:t>ține </a:t>
-            </a:r>
-            <a:r>
-              <a:rPr lang="it-IT" sz="1200" dirty="0" smtClean="0">
+              <a:t/>
+            </a:r>
+            <a:br>
+              <a:rPr lang="en-US" sz="1000" dirty="0" smtClean="0">
                 <a:latin typeface="Arial" pitchFamily="34" charset="0"/>
                 <a:cs typeface="Arial" pitchFamily="34" charset="0"/>
               </a:rPr>
-              <a:t>numeroase </a:t>
-            </a:r>
-            <a:r>
-              <a:rPr lang="it-IT" sz="1200" dirty="0">
+            </a:br>
+            <a:r>
+              <a:rPr lang="ro-RO" sz="1000" dirty="0" smtClean="0">
                 <a:latin typeface="Arial" pitchFamily="34" charset="0"/>
                 <a:cs typeface="Arial" pitchFamily="34" charset="0"/>
               </a:rPr>
-              <a:t>lacuri, de mărimi și geneze diferite</a:t>
-            </a:r>
-            <a:r>
-              <a:rPr lang="it-IT" sz="1200" dirty="0" smtClean="0">
-                <a:latin typeface="Arial" pitchFamily="34" charset="0"/>
-                <a:cs typeface="Arial" pitchFamily="34" charset="0"/>
-              </a:rPr>
-              <a:t>.</a:t>
-            </a:r>
-            <a:r>
-              <a:rPr lang="ro-RO" sz="1200" dirty="0">
-                <a:latin typeface="Arial" pitchFamily="34" charset="0"/>
-                <a:cs typeface="Arial" pitchFamily="34" charset="0"/>
-              </a:rPr>
-              <a:t> Pe lângă lacurile glaciare care au cea mai mare răspândire</a:t>
-            </a:r>
-            <a:r>
-              <a:rPr lang="ro-RO" sz="1200" dirty="0" smtClean="0">
-                <a:latin typeface="Arial" pitchFamily="34" charset="0"/>
-                <a:cs typeface="Arial" pitchFamily="34" charset="0"/>
-              </a:rPr>
-              <a:t>, se remarcă</a:t>
-            </a:r>
-            <a:endParaRPr lang="ro-RO" sz="1200" dirty="0">
+              <a:t>Proba de evaluare a competenţelor digitale – document de lucru</a:t>
+            </a:r>
+            <a:endParaRPr lang="ro-RO" sz="1000" dirty="0" smtClean="0">
               <a:latin typeface="Arial" pitchFamily="34" charset="0"/>
               <a:cs typeface="Arial" pitchFamily="34" charset="0"/>
             </a:endParaRPr>
           </a:p>
-          <a:p>
-            <a:pPr marL="400050" lvl="2" indent="538163" algn="just" eaLnBrk="1" hangingPunct="1">
-              <a:spcBef>
-                <a:spcPct val="0"/>
-              </a:spcBef>
-              <a:buFont typeface="+mj-lt"/>
+        </p:txBody>
+      </p:sp>
+      <p:sp>
+        <p:nvSpPr>
+          <p:cNvPr id="3" name="Content Placeholder 2"/>
+          <p:cNvSpPr>
+            <a:spLocks noGrp="1"/>
+          </p:cNvSpPr>
+          <p:nvPr>
+            <p:ph idx="1"/>
+          </p:nvPr>
+        </p:nvSpPr>
+        <p:spPr/>
+        <p:txBody>
+          <a:bodyPr>
+            <a:normAutofit/>
+          </a:bodyPr>
+          <a:lstStyle/>
+          <a:p>
+            <a:pPr marL="273050" indent="-273050" algn="just" eaLnBrk="1" hangingPunct="1">
+              <a:buFont typeface="Calibri" pitchFamily="34" charset="0"/>
+              <a:buAutoNum type="arabicPeriod"/>
+            </a:pPr>
+            <a:r>
+              <a:rPr lang="ro-RO" sz="1200" dirty="0" smtClean="0">
+                <a:latin typeface="Arial" charset="0"/>
+                <a:cs typeface="Arial" charset="0"/>
+              </a:rPr>
+              <a:t>Diploma ioaniţilor este atestată în anul:</a:t>
+            </a:r>
+          </a:p>
+          <a:p>
+            <a:pPr marL="723900" lvl="1" indent="-266700" algn="just" eaLnBrk="1" hangingPunct="1">
+              <a:buFont typeface="Calibri" pitchFamily="34" charset="0"/>
               <a:buAutoNum type="alphaLcParenR"/>
             </a:pPr>
             <a:r>
               <a:rPr lang="ro-RO" sz="1200" dirty="0" smtClean="0">
-                <a:latin typeface="Arial" pitchFamily="34" charset="0"/>
-                <a:cs typeface="Arial" pitchFamily="34" charset="0"/>
+                <a:latin typeface="Arial" charset="0"/>
+                <a:cs typeface="Arial" charset="0"/>
               </a:rPr>
-              <a:t>lacurile vulcanice;</a:t>
-            </a:r>
-            <a:endParaRPr lang="ro-RO" sz="1200" dirty="0">
-              <a:latin typeface="Arial" pitchFamily="34" charset="0"/>
-              <a:cs typeface="Arial" pitchFamily="34" charset="0"/>
-            </a:endParaRPr>
-          </a:p>
-          <a:p>
-            <a:pPr marL="400050" lvl="2" indent="538163" algn="just" eaLnBrk="1" hangingPunct="1">
-              <a:spcBef>
-                <a:spcPct val="0"/>
-              </a:spcBef>
-              <a:buFont typeface="+mj-lt"/>
+              <a:t>1330</a:t>
+            </a:r>
+          </a:p>
+          <a:p>
+            <a:pPr marL="723900" lvl="1" indent="-266700" algn="just" eaLnBrk="1" hangingPunct="1">
+              <a:buFont typeface="Calibri" pitchFamily="34" charset="0"/>
               <a:buAutoNum type="alphaLcParenR"/>
             </a:pPr>
             <a:r>
               <a:rPr lang="ro-RO" sz="1200" dirty="0" smtClean="0">
-                <a:latin typeface="Arial" pitchFamily="34" charset="0"/>
-                <a:cs typeface="Arial" pitchFamily="34" charset="0"/>
+                <a:latin typeface="Arial" charset="0"/>
+                <a:cs typeface="Arial" charset="0"/>
               </a:rPr>
-              <a:t>tectonice;</a:t>
-            </a:r>
-            <a:endParaRPr lang="ro-RO" sz="1200" dirty="0">
-              <a:latin typeface="Arial" pitchFamily="34" charset="0"/>
-              <a:cs typeface="Arial" pitchFamily="34" charset="0"/>
-            </a:endParaRPr>
-          </a:p>
-          <a:p>
-            <a:pPr marL="400050" lvl="2" indent="538163" algn="just" eaLnBrk="1" hangingPunct="1">
-              <a:spcBef>
-                <a:spcPct val="0"/>
-              </a:spcBef>
-              <a:buFont typeface="+mj-lt"/>
+              <a:t>1247</a:t>
+            </a:r>
+          </a:p>
+          <a:p>
+            <a:pPr marL="723900" lvl="1" indent="-266700" algn="just" eaLnBrk="1" hangingPunct="1">
+              <a:buFont typeface="Calibri" pitchFamily="34" charset="0"/>
               <a:buAutoNum type="alphaLcParenR"/>
             </a:pPr>
             <a:r>
-              <a:rPr lang="ro-RO" sz="1200" dirty="0" smtClean="0">
-                <a:latin typeface="Arial" pitchFamily="34" charset="0"/>
-                <a:cs typeface="Arial" pitchFamily="34" charset="0"/>
+              <a:rPr lang="ro-RO" sz="1200" smtClean="0">
+                <a:latin typeface="Arial" charset="0"/>
+                <a:cs typeface="Arial" charset="0"/>
               </a:rPr>
-              <a:t>precum  </a:t>
-            </a:r>
-            <a:r>
-              <a:rPr lang="it-IT" sz="1200" dirty="0">
-                <a:latin typeface="Arial" pitchFamily="34" charset="0"/>
-                <a:cs typeface="Arial" pitchFamily="34" charset="0"/>
-              </a:rPr>
-              <a:t>și lagunele și limanurile din zonele litorale ale și lagunele și limanurile din zonele litorale ale Mării Baltice, Mării Negre etc. </a:t>
-            </a:r>
-            <a:r>
-              <a:rPr lang="ro-RO" sz="1200" dirty="0" smtClean="0">
-                <a:latin typeface="Arial" pitchFamily="34" charset="0"/>
-                <a:cs typeface="Arial" pitchFamily="34" charset="0"/>
-              </a:rPr>
-              <a:t>[…]</a:t>
-            </a:r>
-            <a:endParaRPr lang="ro-RO" sz="1200" dirty="0">
-              <a:latin typeface="Arial" pitchFamily="34" charset="0"/>
-              <a:cs typeface="Arial" pitchFamily="34" charset="0"/>
-            </a:endParaRPr>
-          </a:p>
-          <a:p>
-            <a:pPr marL="0" lvl="1" indent="538163" algn="just" eaLnBrk="1" hangingPunct="1">
-              <a:spcBef>
-                <a:spcPct val="0"/>
-              </a:spcBef>
-              <a:buFont typeface="+mj-lt"/>
+              <a:t>1417</a:t>
+            </a:r>
+          </a:p>
+          <a:p>
+            <a:pPr marL="273050" indent="-273050" algn="just" eaLnBrk="1" hangingPunct="1">
+              <a:buFont typeface="Calibri" pitchFamily="34" charset="0"/>
               <a:buAutoNum type="arabicPeriod"/>
             </a:pPr>
             <a:r>
-              <a:rPr lang="ro-RO" sz="1200" dirty="0">
-                <a:latin typeface="Arial" pitchFamily="34" charset="0"/>
-                <a:cs typeface="Arial" pitchFamily="34" charset="0"/>
+              <a:rPr lang="ro-RO" sz="1200" dirty="0" smtClean="0">
+                <a:latin typeface="Arial" charset="0"/>
+                <a:cs typeface="Arial" charset="0"/>
               </a:rPr>
-              <a:t>Sub calota de gheață, care atinge în unele locuri chiar 1 000  m grosime (media este de aproximativ 400 m), se </a:t>
-            </a:r>
-            <a:r>
-              <a:rPr lang="ro-RO" sz="1200" dirty="0" smtClean="0">
-                <a:latin typeface="Arial" pitchFamily="34" charset="0"/>
-                <a:cs typeface="Arial" pitchFamily="34" charset="0"/>
-              </a:rPr>
-              <a:t>găsesc</a:t>
-            </a:r>
-            <a:endParaRPr lang="ro-RO" sz="1200" dirty="0">
-              <a:latin typeface="Arial" pitchFamily="34" charset="0"/>
-              <a:cs typeface="Arial" pitchFamily="34" charset="0"/>
-            </a:endParaRPr>
-          </a:p>
-          <a:p>
-            <a:pPr marL="400050" lvl="2" indent="538163" algn="just" eaLnBrk="1" hangingPunct="1">
-              <a:spcBef>
-                <a:spcPct val="0"/>
-              </a:spcBef>
-              <a:buFont typeface="+mj-lt"/>
+              <a:t>Formaţiunile politice din Dobrogea sunt unificate de:</a:t>
+            </a:r>
+          </a:p>
+          <a:p>
+            <a:pPr marL="723900" lvl="1" indent="-266700" algn="just" eaLnBrk="1" hangingPunct="1">
+              <a:buFont typeface="Calibri" pitchFamily="34" charset="0"/>
               <a:buAutoNum type="alphaLcParenR"/>
             </a:pPr>
             <a:r>
-              <a:rPr lang="ro-RO" sz="1200" dirty="0">
-                <a:latin typeface="Arial" pitchFamily="34" charset="0"/>
-                <a:cs typeface="Arial" pitchFamily="34" charset="0"/>
+              <a:rPr lang="ro-RO" sz="1200" dirty="0" err="1" smtClean="0">
+                <a:latin typeface="Arial" charset="0"/>
+                <a:cs typeface="Arial" charset="0"/>
               </a:rPr>
-              <a:t>m</a:t>
-            </a:r>
-            <a:r>
-              <a:rPr lang="ro-RO" sz="1200" dirty="0" smtClean="0">
-                <a:latin typeface="Arial" pitchFamily="34" charset="0"/>
-                <a:cs typeface="Arial" pitchFamily="34" charset="0"/>
-              </a:rPr>
-              <a:t>ai mulți vulcani;</a:t>
-            </a:r>
-            <a:endParaRPr lang="ro-RO" sz="1200" dirty="0">
-              <a:latin typeface="Arial" pitchFamily="34" charset="0"/>
-              <a:cs typeface="Arial" pitchFamily="34" charset="0"/>
+              <a:t>Leustachiu</a:t>
+            </a:r>
+            <a:endParaRPr lang="ro-RO" sz="1200" dirty="0" smtClean="0">
+              <a:latin typeface="Arial" charset="0"/>
+              <a:cs typeface="Arial" charset="0"/>
             </a:endParaRPr>
           </a:p>
           <a:p>
-            <a:pPr marL="400050" lvl="2" indent="538163" algn="just" eaLnBrk="1" hangingPunct="1">
-              <a:spcBef>
-                <a:spcPct val="0"/>
-              </a:spcBef>
-              <a:buFont typeface="+mj-lt"/>
+            <a:pPr marL="723900" lvl="1" indent="-266700" algn="just" eaLnBrk="1" hangingPunct="1">
+              <a:buFont typeface="Calibri" pitchFamily="34" charset="0"/>
               <a:buAutoNum type="alphaLcParenR"/>
             </a:pPr>
             <a:r>
               <a:rPr lang="ro-RO" sz="1200" dirty="0" smtClean="0">
-                <a:latin typeface="Arial" pitchFamily="34" charset="0"/>
-                <a:cs typeface="Arial" pitchFamily="34" charset="0"/>
+                <a:latin typeface="Arial" charset="0"/>
+                <a:cs typeface="Arial" charset="0"/>
               </a:rPr>
-              <a:t>și </a:t>
-            </a:r>
-            <a:r>
-              <a:rPr lang="ro-RO" sz="1200" dirty="0">
-                <a:latin typeface="Arial" pitchFamily="34" charset="0"/>
-                <a:cs typeface="Arial" pitchFamily="34" charset="0"/>
-              </a:rPr>
-              <a:t>vârfuri montane;</a:t>
-            </a:r>
-          </a:p>
-          <a:p>
-            <a:pPr marL="400050" lvl="2" indent="538163" algn="just" eaLnBrk="1" hangingPunct="1">
-              <a:spcBef>
-                <a:spcPct val="0"/>
-              </a:spcBef>
-              <a:buFont typeface="+mj-lt"/>
+              <a:t>Balica</a:t>
+            </a:r>
+          </a:p>
+          <a:p>
+            <a:pPr marL="723900" lvl="1" indent="-266700" algn="just" eaLnBrk="1" hangingPunct="1">
+              <a:buFont typeface="Calibri" pitchFamily="34" charset="0"/>
               <a:buAutoNum type="alphaLcParenR"/>
             </a:pPr>
             <a:r>
-              <a:rPr lang="ro-RO" sz="1200" dirty="0">
-                <a:latin typeface="Arial" pitchFamily="34" charset="0"/>
-                <a:cs typeface="Arial" pitchFamily="34" charset="0"/>
+              <a:rPr lang="ro-RO" sz="1200" dirty="0" smtClean="0">
+                <a:latin typeface="Arial" charset="0"/>
+                <a:cs typeface="Arial" charset="0"/>
               </a:rPr>
-              <a:t>inclusiv cel mai înalt de pe insulă. […]</a:t>
-            </a:r>
-          </a:p>
-          <a:p>
-            <a:pPr marL="0" lvl="1" indent="538163" algn="just" eaLnBrk="1" hangingPunct="1">
-              <a:spcBef>
-                <a:spcPct val="0"/>
-              </a:spcBef>
-              <a:buFont typeface="+mj-lt"/>
+              <a:t>Basarab I</a:t>
+            </a:r>
+          </a:p>
+          <a:p>
+            <a:pPr marL="273050" indent="-273050" algn="just" eaLnBrk="1" hangingPunct="1">
+              <a:buFont typeface="Calibri" pitchFamily="34" charset="0"/>
               <a:buAutoNum type="arabicPeriod"/>
             </a:pPr>
             <a:r>
               <a:rPr lang="ro-RO" sz="1200" dirty="0" smtClean="0">
-                <a:latin typeface="Arial" pitchFamily="34" charset="0"/>
-                <a:cs typeface="Arial" pitchFamily="34" charset="0"/>
+                <a:latin typeface="Arial" charset="0"/>
+                <a:cs typeface="Arial" charset="0"/>
               </a:rPr>
-              <a:t>Pe </a:t>
-            </a:r>
-            <a:r>
-              <a:rPr lang="ro-RO" sz="1200" dirty="0">
-                <a:latin typeface="Arial" pitchFamily="34" charset="0"/>
-                <a:cs typeface="Arial" pitchFamily="34" charset="0"/>
-              </a:rPr>
-              <a:t>teritoriul Europei există </a:t>
-            </a:r>
-            <a:r>
-              <a:rPr lang="ro-RO" sz="1200" dirty="0" smtClean="0">
-                <a:latin typeface="Arial" pitchFamily="34" charset="0"/>
-                <a:cs typeface="Arial" pitchFamily="34" charset="0"/>
-              </a:rPr>
-              <a:t>ghețari</a:t>
-            </a:r>
-            <a:endParaRPr lang="ro-RO" sz="1200" dirty="0">
-              <a:latin typeface="Arial" pitchFamily="34" charset="0"/>
-              <a:cs typeface="Arial" pitchFamily="34" charset="0"/>
-            </a:endParaRPr>
-          </a:p>
-          <a:p>
-            <a:pPr marL="400050" lvl="2" indent="538163" algn="just" eaLnBrk="1" hangingPunct="1">
-              <a:spcBef>
-                <a:spcPct val="0"/>
-              </a:spcBef>
-              <a:buFont typeface="+mj-lt"/>
+              <a:t>Desăvârşirea unificării Moldovei aparţine voievodului:</a:t>
+            </a:r>
+          </a:p>
+          <a:p>
+            <a:pPr marL="723900" lvl="1" indent="-266700" algn="just" eaLnBrk="1" hangingPunct="1">
+              <a:buFont typeface="Calibri" pitchFamily="34" charset="0"/>
               <a:buAutoNum type="alphaLcParenR"/>
             </a:pPr>
             <a:r>
               <a:rPr lang="ro-RO" sz="1200" dirty="0" smtClean="0">
-                <a:latin typeface="Arial" pitchFamily="34" charset="0"/>
-                <a:cs typeface="Arial" pitchFamily="34" charset="0"/>
+                <a:latin typeface="Arial" charset="0"/>
+                <a:cs typeface="Arial" charset="0"/>
               </a:rPr>
-              <a:t>atât </a:t>
-            </a:r>
-            <a:r>
-              <a:rPr lang="ro-RO" sz="1200" dirty="0">
-                <a:latin typeface="Arial" pitchFamily="34" charset="0"/>
-                <a:cs typeface="Arial" pitchFamily="34" charset="0"/>
-              </a:rPr>
-              <a:t>în regiunile muntoase înalte (ghețarii montani din  </a:t>
-            </a:r>
-            <a:r>
-              <a:rPr lang="it-IT" sz="1200" dirty="0">
-                <a:latin typeface="Arial" pitchFamily="34" charset="0"/>
-                <a:cs typeface="Arial" pitchFamily="34" charset="0"/>
-              </a:rPr>
-              <a:t>Alpi, Pirinei, Sierra Nevada, Scandinavia ș.a.)</a:t>
-            </a:r>
-            <a:r>
-              <a:rPr lang="ro-RO" sz="1200" dirty="0" smtClean="0">
-                <a:latin typeface="Arial" pitchFamily="34" charset="0"/>
-                <a:cs typeface="Arial" pitchFamily="34" charset="0"/>
-              </a:rPr>
-              <a:t>;</a:t>
-            </a:r>
-            <a:endParaRPr lang="ro-RO" sz="1200" dirty="0">
-              <a:latin typeface="Arial" pitchFamily="34" charset="0"/>
-              <a:cs typeface="Arial" pitchFamily="34" charset="0"/>
-            </a:endParaRPr>
-          </a:p>
-          <a:p>
-            <a:pPr marL="400050" lvl="2" indent="538163" algn="just" eaLnBrk="1" hangingPunct="1">
-              <a:spcBef>
-                <a:spcPct val="0"/>
-              </a:spcBef>
-              <a:buFont typeface="+mj-lt"/>
+              <a:t>Roman I</a:t>
+            </a:r>
+          </a:p>
+          <a:p>
+            <a:pPr marL="723900" lvl="1" indent="-266700" algn="just" eaLnBrk="1" hangingPunct="1">
+              <a:buFont typeface="Calibri" pitchFamily="34" charset="0"/>
               <a:buAutoNum type="alphaLcParenR"/>
             </a:pPr>
             <a:r>
               <a:rPr lang="ro-RO" sz="1200" dirty="0" smtClean="0">
-                <a:latin typeface="Arial" pitchFamily="34" charset="0"/>
-                <a:cs typeface="Arial" pitchFamily="34" charset="0"/>
+                <a:latin typeface="Arial" charset="0"/>
+                <a:cs typeface="Arial" charset="0"/>
               </a:rPr>
-              <a:t>cât </a:t>
-            </a:r>
-            <a:r>
-              <a:rPr lang="ro-RO" sz="1200" dirty="0">
-                <a:latin typeface="Arial" pitchFamily="34" charset="0"/>
-                <a:cs typeface="Arial" pitchFamily="34" charset="0"/>
-              </a:rPr>
-              <a:t>și în insulele nordice (ghețarii de calotă din </a:t>
-            </a:r>
-            <a:r>
-              <a:rPr lang="ro-RO" sz="1200" dirty="0" smtClean="0">
-                <a:latin typeface="Arial" pitchFamily="34" charset="0"/>
-                <a:cs typeface="Arial" pitchFamily="34" charset="0"/>
-              </a:rPr>
-              <a:t>Islanda</a:t>
-            </a:r>
-            <a:r>
-              <a:rPr lang="ro-RO" sz="1200" dirty="0">
-                <a:latin typeface="Arial" pitchFamily="34" charset="0"/>
-                <a:cs typeface="Arial" pitchFamily="34" charset="0"/>
-              </a:rPr>
-              <a:t>, Svalbard, Novaia Zemlea);</a:t>
-            </a:r>
-          </a:p>
-          <a:p>
-            <a:pPr marL="400050" lvl="2" indent="538163" algn="just" eaLnBrk="1" hangingPunct="1">
-              <a:spcBef>
-                <a:spcPct val="0"/>
-              </a:spcBef>
-              <a:buFont typeface="+mj-lt"/>
+              <a:t>Dragoș</a:t>
+            </a:r>
+          </a:p>
+          <a:p>
+            <a:pPr marL="723900" lvl="1" indent="-266700" algn="just" eaLnBrk="1" hangingPunct="1">
+              <a:buFont typeface="Calibri" pitchFamily="34" charset="0"/>
               <a:buAutoNum type="alphaLcParenR"/>
             </a:pPr>
             <a:r>
               <a:rPr lang="ro-RO" sz="1200" dirty="0" smtClean="0">
-                <a:latin typeface="Arial" pitchFamily="34" charset="0"/>
-                <a:cs typeface="Arial" pitchFamily="34" charset="0"/>
+                <a:latin typeface="Arial" charset="0"/>
+                <a:cs typeface="Arial" charset="0"/>
               </a:rPr>
-              <a:t>Importante </a:t>
-            </a:r>
-            <a:r>
-              <a:rPr lang="it-IT" sz="1200" dirty="0">
-                <a:latin typeface="Arial" pitchFamily="34" charset="0"/>
-                <a:cs typeface="Arial" pitchFamily="34" charset="0"/>
+              <a:t>Petru Mușat</a:t>
+            </a:r>
+          </a:p>
+          <a:p>
+            <a:pPr marL="273050" indent="-273050" algn="just" eaLnBrk="1" hangingPunct="1">
+              <a:buFont typeface="Calibri" pitchFamily="34" charset="0"/>
+              <a:buAutoNum type="arabicPeriod"/>
+            </a:pPr>
+            <a:r>
+              <a:rPr lang="ro-RO" sz="1200" dirty="0" smtClean="0">
+                <a:latin typeface="Arial" charset="0"/>
+                <a:cs typeface="Arial" charset="0"/>
               </a:rPr>
-              <a:t>pentru hidrografia Europei sunt </a:t>
-            </a:r>
-            <a:r>
-              <a:rPr lang="it-IT" sz="1200" dirty="0" smtClean="0">
-                <a:latin typeface="Arial" pitchFamily="34" charset="0"/>
-                <a:cs typeface="Arial" pitchFamily="34" charset="0"/>
+              <a:t>Ordonaţi cronologic:</a:t>
+            </a:r>
+          </a:p>
+          <a:p>
+            <a:pPr marL="723900" lvl="1" indent="-266700" algn="just" eaLnBrk="1" hangingPunct="1">
+              <a:buFont typeface="Calibri" pitchFamily="34" charset="0"/>
+              <a:buAutoNum type="alphaLcParenR"/>
+            </a:pPr>
+            <a:r>
+              <a:rPr lang="ro-RO" sz="1200" dirty="0" smtClean="0">
+                <a:latin typeface="Arial" charset="0"/>
+                <a:cs typeface="Arial" charset="0"/>
               </a:rPr>
-              <a:t>ș</a:t>
-            </a:r>
+              <a:t>lupta de la Posada</a:t>
+            </a:r>
+          </a:p>
+          <a:p>
+            <a:pPr marL="723900" lvl="1" indent="-266700" algn="just" eaLnBrk="1" hangingPunct="1">
+              <a:buFont typeface="Calibri" pitchFamily="34" charset="0"/>
+              <a:buAutoNum type="alphaLcParenR"/>
+            </a:pPr>
             <a:r>
               <a:rPr lang="ro-RO" sz="1200" dirty="0" smtClean="0">
-                <a:latin typeface="Arial" pitchFamily="34" charset="0"/>
-                <a:cs typeface="Arial" pitchFamily="34" charset="0"/>
+                <a:latin typeface="Arial" charset="0"/>
+                <a:cs typeface="Arial" charset="0"/>
               </a:rPr>
-              <a:t>i </a:t>
-            </a:r>
-            <a:r>
-              <a:rPr lang="it-IT" sz="1200" dirty="0">
-                <a:latin typeface="Arial" pitchFamily="34" charset="0"/>
-                <a:cs typeface="Arial" pitchFamily="34" charset="0"/>
+              <a:t>,,descălecatul” lui Negru Vodă</a:t>
+            </a:r>
+          </a:p>
+          <a:p>
+            <a:pPr marL="723900" lvl="1" indent="-266700" algn="just" eaLnBrk="1" hangingPunct="1">
+              <a:buFont typeface="Calibri" pitchFamily="34" charset="0"/>
+              <a:buAutoNum type="alphaLcParenR"/>
+            </a:pPr>
+            <a:r>
+              <a:rPr lang="ro-RO" sz="1200" dirty="0" err="1" smtClean="0">
+                <a:latin typeface="Arial" charset="0"/>
+                <a:cs typeface="Arial" charset="0"/>
               </a:rPr>
-              <a:t>acumulările subterane de ape dulci/minerale și ape </a:t>
-            </a:r>
-            <a:r>
-              <a:rPr lang="ro-RO" sz="1200" smtClean="0">
-                <a:latin typeface="Arial" pitchFamily="34" charset="0"/>
-                <a:cs typeface="Arial" pitchFamily="34" charset="0"/>
+              <a:t>Leustachiu</a:t>
+            </a:r>
+            <a:endParaRPr lang="ro-RO" sz="1200" dirty="0" smtClean="0">
+              <a:latin typeface="Arial" charset="0"/>
+              <a:cs typeface="Arial" charset="0"/>
+            </a:endParaRPr>
+          </a:p>
+          <a:p>
+            <a:pPr marL="723900" lvl="1" indent="-266700" algn="just" eaLnBrk="1" hangingPunct="1">
+              <a:buFont typeface="Calibri" pitchFamily="34" charset="0"/>
+              <a:buAutoNum type="alphaLcParenR"/>
+            </a:pPr>
+            <a:r>
+              <a:rPr lang="ro-RO" sz="1200" dirty="0" smtClean="0">
+                <a:latin typeface="Arial" charset="0"/>
+                <a:cs typeface="Arial" charset="0"/>
               </a:rPr>
-              <a:t>termale. </a:t>
-            </a:r>
-            <a:r>
-              <a:rPr lang="ro-RO" sz="1200" dirty="0">
-                <a:latin typeface="Arial" pitchFamily="34" charset="0"/>
-                <a:cs typeface="Arial" pitchFamily="34" charset="0"/>
+              <a:t>Roman I</a:t>
+            </a:r>
+          </a:p>
+          <a:p>
+            <a:pPr marL="723900" lvl="1" indent="-266700" algn="just" eaLnBrk="1" hangingPunct="1">
+              <a:buFont typeface="Calibri" pitchFamily="34" charset="0"/>
+              <a:buAutoNum type="alphaLcParenR"/>
+            </a:pPr>
+            <a:r>
+              <a:rPr lang="ro-RO" sz="1200" dirty="0" err="1" smtClean="0">
+                <a:latin typeface="Arial" charset="0"/>
+                <a:cs typeface="Arial" charset="0"/>
               </a:rPr>
-              <a:t>[…]</a:t>
-            </a:r>
-          </a:p>
-        </p:txBody>
-      </p:sp>
-      <p:sp>
-        <p:nvSpPr>
-          <p:cNvPr id="4099" name="Rectangle 4"/>
-          <p:cNvSpPr>
-            <a:spLocks noChangeArrowheads="1"/>
-          </p:cNvSpPr>
-          <p:nvPr/>
-        </p:nvSpPr>
-        <p:spPr bwMode="auto">
-          <a:xfrm>
-            <a:off x="539750" y="260350"/>
-            <a:ext cx="7848600" cy="400110"/>
-          </a:xfrm>
-          <a:prstGeom prst="rect">
-            <a:avLst/>
-          </a:prstGeom>
-          <a:noFill/>
-          <a:ln w="9525">
-            <a:noFill/>
-            <a:miter lim="800000"/>
-            <a:headEnd/>
-            <a:tailEnd/>
-          </a:ln>
-        </p:spPr>
-        <p:txBody>
-          <a:bodyPr>
-            <a:spAutoFit/>
-          </a:bodyPr>
-          <a:lstStyle/>
-          <a:p>
-            <a:r>
-              <a:rPr lang="ro-RO" sz="1000" dirty="0"/>
-              <a:t>Examenul național de bacalaureat 20</a:t>
-            </a:r>
-            <a:r>
-              <a:rPr lang="en-US" sz="1000" dirty="0"/>
-              <a:t>2</a:t>
-            </a:r>
-            <a:r>
-              <a:rPr lang="ro-RO" sz="1000" dirty="0"/>
-              <a:t>4 </a:t>
-            </a:r>
-          </a:p>
-          <a:p>
-            <a:r>
-              <a:rPr lang="ro-RO" sz="1000" dirty="0"/>
-              <a:t>Proba de evaluare a competențelor digitale  - document de lucru</a:t>
-            </a:r>
+              <a:t>Dobrotici</a:t>
+            </a:r>
+            <a:r>
+              <a:rPr lang="ro-RO" sz="1200" dirty="0" smtClean="0">
+                <a:latin typeface="Arial" charset="0"/>
+                <a:cs typeface="Arial" charset="0"/>
+              </a:rPr>
+              <a:t> </a:t>
+            </a:r>
+          </a:p>
+          <a:p>
+            <a:pPr marL="273050" indent="-273050" eaLnBrk="1" hangingPunct="1">
+              <a:buFont typeface="Arial" charset="0"/>
+              <a:buNone/>
+            </a:pPr>
+            <a:endParaRPr lang="ro-RO" dirty="0" smtClean="0"/>
           </a:p>
         </p:txBody>
       </p:sp>
     </p:spTree>
-    <p:extLst>
-      <p:ext uri="{BB962C8B-B14F-4D97-AF65-F5344CB8AC3E}">
-        <p14:creationId xmlns:p14="http://schemas.microsoft.com/office/powerpoint/2010/main" val="1604973424"/>
-      </p:ext>
-    </p:extLst>
   </p:cSld>
   <p:clrMapOvr>
     <a:masterClrMapping/>
